--- a/intro.to.Rstudio/RStudio_intro.pptx
+++ b/intro.to.Rstudio/RStudio_intro.pptx
@@ -2,7 +2,7 @@
 <file path=ppt/presentation.xml><?xml version="1.0" encoding="utf-8"?>
 <p:presentation xmlns:a="http://schemas.openxmlformats.org/drawingml/2006/main" xmlns:r="http://schemas.openxmlformats.org/officeDocument/2006/relationships" xmlns:p="http://schemas.openxmlformats.org/presentationml/2006/main" saveSubsetFonts="1" autoCompressPictures="0">
   <p:sldMasterIdLst>
-    <p:sldMasterId id="2147483756" r:id="rId1"/>
+    <p:sldMasterId id="2147483768" r:id="rId1"/>
   </p:sldMasterIdLst>
   <p:sldIdLst>
     <p:sldId id="256" r:id="rId2"/>
@@ -24,13 +24,13 @@
     <p:sldId id="274" r:id="rId18"/>
     <p:sldId id="271" r:id="rId19"/>
   </p:sldIdLst>
-  <p:sldSz cx="9144000" cy="6858000" type="screen4x3"/>
+  <p:sldSz cx="12192000" cy="6858000"/>
   <p:notesSz cx="6858000" cy="9144000"/>
   <p:defaultTextStyle>
     <a:defPPr>
-      <a:defRPr lang="en-NO"/>
+      <a:defRPr lang="en-US"/>
     </a:defPPr>
-    <a:lvl1pPr marL="0" algn="l" defTabSz="914400" rtl="0" eaLnBrk="1" latinLnBrk="0" hangingPunct="1">
+    <a:lvl1pPr marL="0" algn="l" defTabSz="457200" rtl="0" eaLnBrk="1" latinLnBrk="0" hangingPunct="1">
       <a:defRPr sz="1800" kern="1200">
         <a:solidFill>
           <a:schemeClr val="tx1"/>
@@ -40,7 +40,7 @@
         <a:cs typeface="+mn-cs"/>
       </a:defRPr>
     </a:lvl1pPr>
-    <a:lvl2pPr marL="457200" algn="l" defTabSz="914400" rtl="0" eaLnBrk="1" latinLnBrk="0" hangingPunct="1">
+    <a:lvl2pPr marL="457200" algn="l" defTabSz="457200" rtl="0" eaLnBrk="1" latinLnBrk="0" hangingPunct="1">
       <a:defRPr sz="1800" kern="1200">
         <a:solidFill>
           <a:schemeClr val="tx1"/>
@@ -50,7 +50,7 @@
         <a:cs typeface="+mn-cs"/>
       </a:defRPr>
     </a:lvl2pPr>
-    <a:lvl3pPr marL="914400" algn="l" defTabSz="914400" rtl="0" eaLnBrk="1" latinLnBrk="0" hangingPunct="1">
+    <a:lvl3pPr marL="914400" algn="l" defTabSz="457200" rtl="0" eaLnBrk="1" latinLnBrk="0" hangingPunct="1">
       <a:defRPr sz="1800" kern="1200">
         <a:solidFill>
           <a:schemeClr val="tx1"/>
@@ -60,7 +60,7 @@
         <a:cs typeface="+mn-cs"/>
       </a:defRPr>
     </a:lvl3pPr>
-    <a:lvl4pPr marL="1371600" algn="l" defTabSz="914400" rtl="0" eaLnBrk="1" latinLnBrk="0" hangingPunct="1">
+    <a:lvl4pPr marL="1371600" algn="l" defTabSz="457200" rtl="0" eaLnBrk="1" latinLnBrk="0" hangingPunct="1">
       <a:defRPr sz="1800" kern="1200">
         <a:solidFill>
           <a:schemeClr val="tx1"/>
@@ -70,7 +70,7 @@
         <a:cs typeface="+mn-cs"/>
       </a:defRPr>
     </a:lvl4pPr>
-    <a:lvl5pPr marL="1828800" algn="l" defTabSz="914400" rtl="0" eaLnBrk="1" latinLnBrk="0" hangingPunct="1">
+    <a:lvl5pPr marL="1828800" algn="l" defTabSz="457200" rtl="0" eaLnBrk="1" latinLnBrk="0" hangingPunct="1">
       <a:defRPr sz="1800" kern="1200">
         <a:solidFill>
           <a:schemeClr val="tx1"/>
@@ -80,7 +80,7 @@
         <a:cs typeface="+mn-cs"/>
       </a:defRPr>
     </a:lvl5pPr>
-    <a:lvl6pPr marL="2286000" algn="l" defTabSz="914400" rtl="0" eaLnBrk="1" latinLnBrk="0" hangingPunct="1">
+    <a:lvl6pPr marL="2286000" algn="l" defTabSz="457200" rtl="0" eaLnBrk="1" latinLnBrk="0" hangingPunct="1">
       <a:defRPr sz="1800" kern="1200">
         <a:solidFill>
           <a:schemeClr val="tx1"/>
@@ -90,7 +90,7 @@
         <a:cs typeface="+mn-cs"/>
       </a:defRPr>
     </a:lvl6pPr>
-    <a:lvl7pPr marL="2743200" algn="l" defTabSz="914400" rtl="0" eaLnBrk="1" latinLnBrk="0" hangingPunct="1">
+    <a:lvl7pPr marL="2743200" algn="l" defTabSz="457200" rtl="0" eaLnBrk="1" latinLnBrk="0" hangingPunct="1">
       <a:defRPr sz="1800" kern="1200">
         <a:solidFill>
           <a:schemeClr val="tx1"/>
@@ -100,7 +100,7 @@
         <a:cs typeface="+mn-cs"/>
       </a:defRPr>
     </a:lvl7pPr>
-    <a:lvl8pPr marL="3200400" algn="l" defTabSz="914400" rtl="0" eaLnBrk="1" latinLnBrk="0" hangingPunct="1">
+    <a:lvl8pPr marL="3200400" algn="l" defTabSz="457200" rtl="0" eaLnBrk="1" latinLnBrk="0" hangingPunct="1">
       <a:defRPr sz="1800" kern="1200">
         <a:solidFill>
           <a:schemeClr val="tx1"/>
@@ -110,7 +110,7 @@
         <a:cs typeface="+mn-cs"/>
       </a:defRPr>
     </a:lvl8pPr>
-    <a:lvl9pPr marL="3657600" algn="l" defTabSz="914400" rtl="0" eaLnBrk="1" latinLnBrk="0" hangingPunct="1">
+    <a:lvl9pPr marL="3657600" algn="l" defTabSz="457200" rtl="0" eaLnBrk="1" latinLnBrk="0" hangingPunct="1">
       <a:defRPr sz="1800" kern="1200">
         <a:solidFill>
           <a:schemeClr val="tx1"/>
@@ -148,13 +148,7 @@
       </p:grpSpPr>
       <p:sp>
         <p:nvSpPr>
-          <p:cNvPr id="2" name="Title 1">
-            <a:extLst>
-              <a:ext uri="{FF2B5EF4-FFF2-40B4-BE49-F238E27FC236}">
-                <a16:creationId xmlns:a16="http://schemas.microsoft.com/office/drawing/2014/main" id="{01FEA7EA-AEFF-9A43-9793-17CBDE9BDF05}"/>
-              </a:ext>
-            </a:extLst>
-          </p:cNvPr>
+          <p:cNvPr id="2" name="Title 1"/>
           <p:cNvSpPr>
             <a:spLocks noGrp="1"/>
           </p:cNvSpPr>
@@ -164,15 +158,15 @@
         </p:nvSpPr>
         <p:spPr>
           <a:xfrm>
-            <a:off x="1143000" y="1122363"/>
-            <a:ext cx="6858000" cy="2387600"/>
+            <a:off x="1524000" y="1122363"/>
+            <a:ext cx="9144000" cy="2387600"/>
           </a:xfrm>
         </p:spPr>
         <p:txBody>
           <a:bodyPr anchor="b"/>
           <a:lstStyle>
             <a:lvl1pPr algn="ctr">
-              <a:defRPr sz="4500"/>
+              <a:defRPr sz="6000"/>
             </a:lvl1pPr>
           </a:lstStyle>
           <a:p>
@@ -180,18 +174,13 @@
               <a:rPr lang="en-GB"/>
               <a:t>Click to edit Master title style</a:t>
             </a:r>
-          </a:p>
-        </p:txBody>
-      </p:sp>
-      <p:sp>
-        <p:nvSpPr>
-          <p:cNvPr id="3" name="Subtitle 2">
-            <a:extLst>
-              <a:ext uri="{FF2B5EF4-FFF2-40B4-BE49-F238E27FC236}">
-                <a16:creationId xmlns:a16="http://schemas.microsoft.com/office/drawing/2014/main" id="{2B63E0A1-CDE3-3249-938C-BFC9E587247C}"/>
-              </a:ext>
-            </a:extLst>
-          </p:cNvPr>
+            <a:endParaRPr lang="en-US" dirty="0"/>
+          </a:p>
+        </p:txBody>
+      </p:sp>
+      <p:sp>
+        <p:nvSpPr>
+          <p:cNvPr id="3" name="Subtitle 2"/>
           <p:cNvSpPr>
             <a:spLocks noGrp="1"/>
           </p:cNvSpPr>
@@ -201,8 +190,8 @@
         </p:nvSpPr>
         <p:spPr>
           <a:xfrm>
-            <a:off x="1143000" y="3602038"/>
-            <a:ext cx="6858000" cy="1655762"/>
+            <a:off x="1524000" y="3602038"/>
+            <a:ext cx="9144000" cy="1655762"/>
           </a:xfrm>
         </p:spPr>
         <p:txBody>
@@ -210,39 +199,39 @@
           <a:lstStyle>
             <a:lvl1pPr marL="0" indent="0" algn="ctr">
               <a:buNone/>
+              <a:defRPr sz="2400"/>
+            </a:lvl1pPr>
+            <a:lvl2pPr marL="457200" indent="0" algn="ctr">
+              <a:buNone/>
+              <a:defRPr sz="2000"/>
+            </a:lvl2pPr>
+            <a:lvl3pPr marL="914400" indent="0" algn="ctr">
+              <a:buNone/>
               <a:defRPr sz="1800"/>
-            </a:lvl1pPr>
-            <a:lvl2pPr marL="342900" indent="0" algn="ctr">
-              <a:buNone/>
-              <a:defRPr sz="1500"/>
-            </a:lvl2pPr>
-            <a:lvl3pPr marL="685800" indent="0" algn="ctr">
-              <a:buNone/>
-              <a:defRPr sz="1350"/>
             </a:lvl3pPr>
-            <a:lvl4pPr marL="1028700" indent="0" algn="ctr">
-              <a:buNone/>
-              <a:defRPr sz="1200"/>
+            <a:lvl4pPr marL="1371600" indent="0" algn="ctr">
+              <a:buNone/>
+              <a:defRPr sz="1600"/>
             </a:lvl4pPr>
-            <a:lvl5pPr marL="1371600" indent="0" algn="ctr">
-              <a:buNone/>
-              <a:defRPr sz="1200"/>
+            <a:lvl5pPr marL="1828800" indent="0" algn="ctr">
+              <a:buNone/>
+              <a:defRPr sz="1600"/>
             </a:lvl5pPr>
-            <a:lvl6pPr marL="1714500" indent="0" algn="ctr">
-              <a:buNone/>
-              <a:defRPr sz="1200"/>
+            <a:lvl6pPr marL="2286000" indent="0" algn="ctr">
+              <a:buNone/>
+              <a:defRPr sz="1600"/>
             </a:lvl6pPr>
-            <a:lvl7pPr marL="2057400" indent="0" algn="ctr">
-              <a:buNone/>
-              <a:defRPr sz="1200"/>
+            <a:lvl7pPr marL="2743200" indent="0" algn="ctr">
+              <a:buNone/>
+              <a:defRPr sz="1600"/>
             </a:lvl7pPr>
-            <a:lvl8pPr marL="2400300" indent="0" algn="ctr">
-              <a:buNone/>
-              <a:defRPr sz="1200"/>
+            <a:lvl8pPr marL="3200400" indent="0" algn="ctr">
+              <a:buNone/>
+              <a:defRPr sz="1600"/>
             </a:lvl8pPr>
-            <a:lvl9pPr marL="2743200" indent="0" algn="ctr">
-              <a:buNone/>
-              <a:defRPr sz="1200"/>
+            <a:lvl9pPr marL="3657600" indent="0" algn="ctr">
+              <a:buNone/>
+              <a:defRPr sz="1600"/>
             </a:lvl9pPr>
           </a:lstStyle>
           <a:p>
@@ -250,18 +239,13 @@
               <a:rPr lang="en-GB"/>
               <a:t>Click to edit Master subtitle style</a:t>
             </a:r>
-          </a:p>
-        </p:txBody>
-      </p:sp>
-      <p:sp>
-        <p:nvSpPr>
-          <p:cNvPr id="4" name="Date Placeholder 3">
-            <a:extLst>
-              <a:ext uri="{FF2B5EF4-FFF2-40B4-BE49-F238E27FC236}">
-                <a16:creationId xmlns:a16="http://schemas.microsoft.com/office/drawing/2014/main" id="{5E271100-7AED-754F-878E-89C4A445C379}"/>
-              </a:ext>
-            </a:extLst>
-          </p:cNvPr>
+            <a:endParaRPr lang="en-US" dirty="0"/>
+          </a:p>
+        </p:txBody>
+      </p:sp>
+      <p:sp>
+        <p:nvSpPr>
+          <p:cNvPr id="4" name="Date Placeholder 3"/>
           <p:cNvSpPr>
             <a:spLocks noGrp="1"/>
           </p:cNvSpPr>
@@ -276,7 +260,7 @@
           <a:p>
             <a:fld id="{F6B75C2D-8946-494C-BE2F-E2999171E32C}" type="datetimeFigureOut">
               <a:rPr lang="en-GB" smtClean="0"/>
-              <a:t>02/05/2021</a:t>
+              <a:t>03/05/2021</a:t>
             </a:fld>
             <a:endParaRPr lang="en-GB"/>
           </a:p>
@@ -284,13 +268,7 @@
       </p:sp>
       <p:sp>
         <p:nvSpPr>
-          <p:cNvPr id="5" name="Footer Placeholder 4">
-            <a:extLst>
-              <a:ext uri="{FF2B5EF4-FFF2-40B4-BE49-F238E27FC236}">
-                <a16:creationId xmlns:a16="http://schemas.microsoft.com/office/drawing/2014/main" id="{6910A711-5CB8-D940-9F63-DB672F5C5221}"/>
-              </a:ext>
-            </a:extLst>
-          </p:cNvPr>
+          <p:cNvPr id="5" name="Footer Placeholder 4"/>
           <p:cNvSpPr>
             <a:spLocks noGrp="1"/>
           </p:cNvSpPr>
@@ -309,13 +287,7 @@
       </p:sp>
       <p:sp>
         <p:nvSpPr>
-          <p:cNvPr id="6" name="Slide Number Placeholder 5">
-            <a:extLst>
-              <a:ext uri="{FF2B5EF4-FFF2-40B4-BE49-F238E27FC236}">
-                <a16:creationId xmlns:a16="http://schemas.microsoft.com/office/drawing/2014/main" id="{3BA39937-2F2A-D140-AFAA-856CB8887174}"/>
-              </a:ext>
-            </a:extLst>
-          </p:cNvPr>
+          <p:cNvPr id="6" name="Slide Number Placeholder 5"/>
           <p:cNvSpPr>
             <a:spLocks noGrp="1"/>
           </p:cNvSpPr>
@@ -339,7 +311,7 @@
     </p:spTree>
     <p:extLst>
       <p:ext uri="{BB962C8B-B14F-4D97-AF65-F5344CB8AC3E}">
-        <p14:creationId xmlns:p14="http://schemas.microsoft.com/office/powerpoint/2010/main" val="1497187440"/>
+        <p14:creationId xmlns:p14="http://schemas.microsoft.com/office/powerpoint/2010/main" val="688874324"/>
       </p:ext>
     </p:extLst>
   </p:cSld>
@@ -368,13 +340,7 @@
       </p:grpSpPr>
       <p:sp>
         <p:nvSpPr>
-          <p:cNvPr id="2" name="Title 1">
-            <a:extLst>
-              <a:ext uri="{FF2B5EF4-FFF2-40B4-BE49-F238E27FC236}">
-                <a16:creationId xmlns:a16="http://schemas.microsoft.com/office/drawing/2014/main" id="{57AFA882-6DED-EC48-B620-DE9EC59AA1D7}"/>
-              </a:ext>
-            </a:extLst>
-          </p:cNvPr>
+          <p:cNvPr id="2" name="Title 1"/>
           <p:cNvSpPr>
             <a:spLocks noGrp="1"/>
           </p:cNvSpPr>
@@ -391,18 +357,13 @@
               <a:rPr lang="en-GB"/>
               <a:t>Click to edit Master title style</a:t>
             </a:r>
-          </a:p>
-        </p:txBody>
-      </p:sp>
-      <p:sp>
-        <p:nvSpPr>
-          <p:cNvPr id="3" name="Vertical Text Placeholder 2">
-            <a:extLst>
-              <a:ext uri="{FF2B5EF4-FFF2-40B4-BE49-F238E27FC236}">
-                <a16:creationId xmlns:a16="http://schemas.microsoft.com/office/drawing/2014/main" id="{E6C2E3D6-0F09-1340-9956-A01F080DB413}"/>
-              </a:ext>
-            </a:extLst>
-          </p:cNvPr>
+            <a:endParaRPr lang="en-US" dirty="0"/>
+          </a:p>
+        </p:txBody>
+      </p:sp>
+      <p:sp>
+        <p:nvSpPr>
+          <p:cNvPr id="3" name="Vertical Text Placeholder 2"/>
           <p:cNvSpPr>
             <a:spLocks noGrp="1"/>
           </p:cNvSpPr>
@@ -448,18 +409,13 @@
               <a:rPr lang="en-GB"/>
               <a:t>Fifth level</a:t>
             </a:r>
-          </a:p>
-        </p:txBody>
-      </p:sp>
-      <p:sp>
-        <p:nvSpPr>
-          <p:cNvPr id="4" name="Date Placeholder 3">
-            <a:extLst>
-              <a:ext uri="{FF2B5EF4-FFF2-40B4-BE49-F238E27FC236}">
-                <a16:creationId xmlns:a16="http://schemas.microsoft.com/office/drawing/2014/main" id="{6B910284-603E-BF47-9519-592C448D3EDF}"/>
-              </a:ext>
-            </a:extLst>
-          </p:cNvPr>
+            <a:endParaRPr lang="en-US" dirty="0"/>
+          </a:p>
+        </p:txBody>
+      </p:sp>
+      <p:sp>
+        <p:nvSpPr>
+          <p:cNvPr id="4" name="Date Placeholder 3"/>
           <p:cNvSpPr>
             <a:spLocks noGrp="1"/>
           </p:cNvSpPr>
@@ -474,7 +430,7 @@
           <a:p>
             <a:fld id="{F6B75C2D-8946-494C-BE2F-E2999171E32C}" type="datetimeFigureOut">
               <a:rPr lang="en-GB" smtClean="0"/>
-              <a:t>02/05/2021</a:t>
+              <a:t>03/05/2021</a:t>
             </a:fld>
             <a:endParaRPr lang="en-GB"/>
           </a:p>
@@ -482,13 +438,7 @@
       </p:sp>
       <p:sp>
         <p:nvSpPr>
-          <p:cNvPr id="5" name="Footer Placeholder 4">
-            <a:extLst>
-              <a:ext uri="{FF2B5EF4-FFF2-40B4-BE49-F238E27FC236}">
-                <a16:creationId xmlns:a16="http://schemas.microsoft.com/office/drawing/2014/main" id="{D4944391-5B78-5242-859C-B3FBB5532A57}"/>
-              </a:ext>
-            </a:extLst>
-          </p:cNvPr>
+          <p:cNvPr id="5" name="Footer Placeholder 4"/>
           <p:cNvSpPr>
             <a:spLocks noGrp="1"/>
           </p:cNvSpPr>
@@ -507,13 +457,7 @@
       </p:sp>
       <p:sp>
         <p:nvSpPr>
-          <p:cNvPr id="6" name="Slide Number Placeholder 5">
-            <a:extLst>
-              <a:ext uri="{FF2B5EF4-FFF2-40B4-BE49-F238E27FC236}">
-                <a16:creationId xmlns:a16="http://schemas.microsoft.com/office/drawing/2014/main" id="{207A49FD-0AD3-ED4E-898D-37AF315D087A}"/>
-              </a:ext>
-            </a:extLst>
-          </p:cNvPr>
+          <p:cNvPr id="6" name="Slide Number Placeholder 5"/>
           <p:cNvSpPr>
             <a:spLocks noGrp="1"/>
           </p:cNvSpPr>
@@ -537,7 +481,7 @@
     </p:spTree>
     <p:extLst>
       <p:ext uri="{BB962C8B-B14F-4D97-AF65-F5344CB8AC3E}">
-        <p14:creationId xmlns:p14="http://schemas.microsoft.com/office/powerpoint/2010/main" val="2441218261"/>
+        <p14:creationId xmlns:p14="http://schemas.microsoft.com/office/powerpoint/2010/main" val="4165204775"/>
       </p:ext>
     </p:extLst>
   </p:cSld>
@@ -566,13 +510,7 @@
       </p:grpSpPr>
       <p:sp>
         <p:nvSpPr>
-          <p:cNvPr id="2" name="Vertical Title 1">
-            <a:extLst>
-              <a:ext uri="{FF2B5EF4-FFF2-40B4-BE49-F238E27FC236}">
-                <a16:creationId xmlns:a16="http://schemas.microsoft.com/office/drawing/2014/main" id="{81573197-FA27-524E-873D-C1AFC08B8DFC}"/>
-              </a:ext>
-            </a:extLst>
-          </p:cNvPr>
+          <p:cNvPr id="2" name="Vertical Title 1"/>
           <p:cNvSpPr>
             <a:spLocks noGrp="1"/>
           </p:cNvSpPr>
@@ -582,8 +520,8 @@
         </p:nvSpPr>
         <p:spPr>
           <a:xfrm>
-            <a:off x="6543675" y="365125"/>
-            <a:ext cx="1971675" cy="5811838"/>
+            <a:off x="8724900" y="365125"/>
+            <a:ext cx="2628900" cy="5811838"/>
           </a:xfrm>
         </p:spPr>
         <p:txBody>
@@ -594,18 +532,13 @@
               <a:rPr lang="en-GB"/>
               <a:t>Click to edit Master title style</a:t>
             </a:r>
-          </a:p>
-        </p:txBody>
-      </p:sp>
-      <p:sp>
-        <p:nvSpPr>
-          <p:cNvPr id="3" name="Vertical Text Placeholder 2">
-            <a:extLst>
-              <a:ext uri="{FF2B5EF4-FFF2-40B4-BE49-F238E27FC236}">
-                <a16:creationId xmlns:a16="http://schemas.microsoft.com/office/drawing/2014/main" id="{8FB2601A-CFAF-EA45-A8F7-62829A666CED}"/>
-              </a:ext>
-            </a:extLst>
-          </p:cNvPr>
+            <a:endParaRPr lang="en-US" dirty="0"/>
+          </a:p>
+        </p:txBody>
+      </p:sp>
+      <p:sp>
+        <p:nvSpPr>
+          <p:cNvPr id="3" name="Vertical Text Placeholder 2"/>
           <p:cNvSpPr>
             <a:spLocks noGrp="1"/>
           </p:cNvSpPr>
@@ -615,8 +548,8 @@
         </p:nvSpPr>
         <p:spPr>
           <a:xfrm>
-            <a:off x="628650" y="365125"/>
-            <a:ext cx="5800725" cy="5811838"/>
+            <a:off x="838200" y="365125"/>
+            <a:ext cx="7734300" cy="5811838"/>
           </a:xfrm>
         </p:spPr>
         <p:txBody>
@@ -656,18 +589,13 @@
               <a:rPr lang="en-GB"/>
               <a:t>Fifth level</a:t>
             </a:r>
-          </a:p>
-        </p:txBody>
-      </p:sp>
-      <p:sp>
-        <p:nvSpPr>
-          <p:cNvPr id="4" name="Date Placeholder 3">
-            <a:extLst>
-              <a:ext uri="{FF2B5EF4-FFF2-40B4-BE49-F238E27FC236}">
-                <a16:creationId xmlns:a16="http://schemas.microsoft.com/office/drawing/2014/main" id="{148BF536-2D92-0940-9271-F78718F6CA39}"/>
-              </a:ext>
-            </a:extLst>
-          </p:cNvPr>
+            <a:endParaRPr lang="en-US" dirty="0"/>
+          </a:p>
+        </p:txBody>
+      </p:sp>
+      <p:sp>
+        <p:nvSpPr>
+          <p:cNvPr id="4" name="Date Placeholder 3"/>
           <p:cNvSpPr>
             <a:spLocks noGrp="1"/>
           </p:cNvSpPr>
@@ -682,7 +610,7 @@
           <a:p>
             <a:fld id="{F6B75C2D-8946-494C-BE2F-E2999171E32C}" type="datetimeFigureOut">
               <a:rPr lang="en-GB" smtClean="0"/>
-              <a:t>02/05/2021</a:t>
+              <a:t>03/05/2021</a:t>
             </a:fld>
             <a:endParaRPr lang="en-GB"/>
           </a:p>
@@ -690,13 +618,7 @@
       </p:sp>
       <p:sp>
         <p:nvSpPr>
-          <p:cNvPr id="5" name="Footer Placeholder 4">
-            <a:extLst>
-              <a:ext uri="{FF2B5EF4-FFF2-40B4-BE49-F238E27FC236}">
-                <a16:creationId xmlns:a16="http://schemas.microsoft.com/office/drawing/2014/main" id="{0EDB7C32-CA70-4248-B6C0-34C3F0E8EF6D}"/>
-              </a:ext>
-            </a:extLst>
-          </p:cNvPr>
+          <p:cNvPr id="5" name="Footer Placeholder 4"/>
           <p:cNvSpPr>
             <a:spLocks noGrp="1"/>
           </p:cNvSpPr>
@@ -715,13 +637,7 @@
       </p:sp>
       <p:sp>
         <p:nvSpPr>
-          <p:cNvPr id="6" name="Slide Number Placeholder 5">
-            <a:extLst>
-              <a:ext uri="{FF2B5EF4-FFF2-40B4-BE49-F238E27FC236}">
-                <a16:creationId xmlns:a16="http://schemas.microsoft.com/office/drawing/2014/main" id="{B447116E-5069-B646-B0FD-3AFD9FA1F5EB}"/>
-              </a:ext>
-            </a:extLst>
-          </p:cNvPr>
+          <p:cNvPr id="6" name="Slide Number Placeholder 5"/>
           <p:cNvSpPr>
             <a:spLocks noGrp="1"/>
           </p:cNvSpPr>
@@ -745,7 +661,7 @@
     </p:spTree>
     <p:extLst>
       <p:ext uri="{BB962C8B-B14F-4D97-AF65-F5344CB8AC3E}">
-        <p14:creationId xmlns:p14="http://schemas.microsoft.com/office/powerpoint/2010/main" val="2605814973"/>
+        <p14:creationId xmlns:p14="http://schemas.microsoft.com/office/powerpoint/2010/main" val="1130023571"/>
       </p:ext>
     </p:extLst>
   </p:cSld>
@@ -774,13 +690,7 @@
       </p:grpSpPr>
       <p:sp>
         <p:nvSpPr>
-          <p:cNvPr id="2" name="Title 1">
-            <a:extLst>
-              <a:ext uri="{FF2B5EF4-FFF2-40B4-BE49-F238E27FC236}">
-                <a16:creationId xmlns:a16="http://schemas.microsoft.com/office/drawing/2014/main" id="{3754BBBD-82A8-6B41-80D1-6FC5B5BC1B87}"/>
-              </a:ext>
-            </a:extLst>
-          </p:cNvPr>
+          <p:cNvPr id="2" name="Title 1"/>
           <p:cNvSpPr>
             <a:spLocks noGrp="1"/>
           </p:cNvSpPr>
@@ -797,18 +707,13 @@
               <a:rPr lang="en-GB"/>
               <a:t>Click to edit Master title style</a:t>
             </a:r>
-          </a:p>
-        </p:txBody>
-      </p:sp>
-      <p:sp>
-        <p:nvSpPr>
-          <p:cNvPr id="3" name="Content Placeholder 2">
-            <a:extLst>
-              <a:ext uri="{FF2B5EF4-FFF2-40B4-BE49-F238E27FC236}">
-                <a16:creationId xmlns:a16="http://schemas.microsoft.com/office/drawing/2014/main" id="{20D8C5FD-5897-D149-8FF9-A20FC3FCD259}"/>
-              </a:ext>
-            </a:extLst>
-          </p:cNvPr>
+            <a:endParaRPr lang="en-US" dirty="0"/>
+          </a:p>
+        </p:txBody>
+      </p:sp>
+      <p:sp>
+        <p:nvSpPr>
+          <p:cNvPr id="3" name="Content Placeholder 2"/>
           <p:cNvSpPr>
             <a:spLocks noGrp="1"/>
           </p:cNvSpPr>
@@ -854,18 +759,13 @@
               <a:rPr lang="en-GB"/>
               <a:t>Fifth level</a:t>
             </a:r>
-          </a:p>
-        </p:txBody>
-      </p:sp>
-      <p:sp>
-        <p:nvSpPr>
-          <p:cNvPr id="4" name="Date Placeholder 3">
-            <a:extLst>
-              <a:ext uri="{FF2B5EF4-FFF2-40B4-BE49-F238E27FC236}">
-                <a16:creationId xmlns:a16="http://schemas.microsoft.com/office/drawing/2014/main" id="{2E76C0ED-1D55-754D-818E-4AC419FD8AA4}"/>
-              </a:ext>
-            </a:extLst>
-          </p:cNvPr>
+            <a:endParaRPr lang="en-US" dirty="0"/>
+          </a:p>
+        </p:txBody>
+      </p:sp>
+      <p:sp>
+        <p:nvSpPr>
+          <p:cNvPr id="4" name="Date Placeholder 3"/>
           <p:cNvSpPr>
             <a:spLocks noGrp="1"/>
           </p:cNvSpPr>
@@ -880,7 +780,7 @@
           <a:p>
             <a:fld id="{F6B75C2D-8946-494C-BE2F-E2999171E32C}" type="datetimeFigureOut">
               <a:rPr lang="en-GB" smtClean="0"/>
-              <a:t>02/05/2021</a:t>
+              <a:t>03/05/2021</a:t>
             </a:fld>
             <a:endParaRPr lang="en-GB"/>
           </a:p>
@@ -888,13 +788,7 @@
       </p:sp>
       <p:sp>
         <p:nvSpPr>
-          <p:cNvPr id="5" name="Footer Placeholder 4">
-            <a:extLst>
-              <a:ext uri="{FF2B5EF4-FFF2-40B4-BE49-F238E27FC236}">
-                <a16:creationId xmlns:a16="http://schemas.microsoft.com/office/drawing/2014/main" id="{B3121E19-5F2E-0740-9DD4-3B9BB6BF9B79}"/>
-              </a:ext>
-            </a:extLst>
-          </p:cNvPr>
+          <p:cNvPr id="5" name="Footer Placeholder 4"/>
           <p:cNvSpPr>
             <a:spLocks noGrp="1"/>
           </p:cNvSpPr>
@@ -913,13 +807,7 @@
       </p:sp>
       <p:sp>
         <p:nvSpPr>
-          <p:cNvPr id="6" name="Slide Number Placeholder 5">
-            <a:extLst>
-              <a:ext uri="{FF2B5EF4-FFF2-40B4-BE49-F238E27FC236}">
-                <a16:creationId xmlns:a16="http://schemas.microsoft.com/office/drawing/2014/main" id="{B5D0E9C5-8429-8048-92C5-A6BC1E2BA2FD}"/>
-              </a:ext>
-            </a:extLst>
-          </p:cNvPr>
+          <p:cNvPr id="6" name="Slide Number Placeholder 5"/>
           <p:cNvSpPr>
             <a:spLocks noGrp="1"/>
           </p:cNvSpPr>
@@ -943,7 +831,7 @@
     </p:spTree>
     <p:extLst>
       <p:ext uri="{BB962C8B-B14F-4D97-AF65-F5344CB8AC3E}">
-        <p14:creationId xmlns:p14="http://schemas.microsoft.com/office/powerpoint/2010/main" val="2601301387"/>
+        <p14:creationId xmlns:p14="http://schemas.microsoft.com/office/powerpoint/2010/main" val="572244301"/>
       </p:ext>
     </p:extLst>
   </p:cSld>
@@ -972,13 +860,7 @@
       </p:grpSpPr>
       <p:sp>
         <p:nvSpPr>
-          <p:cNvPr id="2" name="Title 1">
-            <a:extLst>
-              <a:ext uri="{FF2B5EF4-FFF2-40B4-BE49-F238E27FC236}">
-                <a16:creationId xmlns:a16="http://schemas.microsoft.com/office/drawing/2014/main" id="{AEFEAFA9-1BE9-6E43-B050-C3133FB3F8F8}"/>
-              </a:ext>
-            </a:extLst>
-          </p:cNvPr>
+          <p:cNvPr id="2" name="Title 1"/>
           <p:cNvSpPr>
             <a:spLocks noGrp="1"/>
           </p:cNvSpPr>
@@ -988,15 +870,15 @@
         </p:nvSpPr>
         <p:spPr>
           <a:xfrm>
-            <a:off x="623888" y="1709739"/>
-            <a:ext cx="7886700" cy="2852737"/>
+            <a:off x="831850" y="1709738"/>
+            <a:ext cx="10515600" cy="2852737"/>
           </a:xfrm>
         </p:spPr>
         <p:txBody>
           <a:bodyPr anchor="b"/>
           <a:lstStyle>
             <a:lvl1pPr>
-              <a:defRPr sz="4500"/>
+              <a:defRPr sz="6000"/>
             </a:lvl1pPr>
           </a:lstStyle>
           <a:p>
@@ -1004,18 +886,13 @@
               <a:rPr lang="en-GB"/>
               <a:t>Click to edit Master title style</a:t>
             </a:r>
-          </a:p>
-        </p:txBody>
-      </p:sp>
-      <p:sp>
-        <p:nvSpPr>
-          <p:cNvPr id="3" name="Text Placeholder 2">
-            <a:extLst>
-              <a:ext uri="{FF2B5EF4-FFF2-40B4-BE49-F238E27FC236}">
-                <a16:creationId xmlns:a16="http://schemas.microsoft.com/office/drawing/2014/main" id="{1D161254-E607-5948-BCF3-0C58F0C57B7C}"/>
-              </a:ext>
-            </a:extLst>
-          </p:cNvPr>
+            <a:endParaRPr lang="en-US" dirty="0"/>
+          </a:p>
+        </p:txBody>
+      </p:sp>
+      <p:sp>
+        <p:nvSpPr>
+          <p:cNvPr id="3" name="Text Placeholder 2"/>
           <p:cNvSpPr>
             <a:spLocks noGrp="1"/>
           </p:cNvSpPr>
@@ -1025,14 +902,34 @@
         </p:nvSpPr>
         <p:spPr>
           <a:xfrm>
-            <a:off x="623888" y="4589464"/>
-            <a:ext cx="7886700" cy="1500187"/>
+            <a:off x="831850" y="4589463"/>
+            <a:ext cx="10515600" cy="1500187"/>
           </a:xfrm>
         </p:spPr>
         <p:txBody>
           <a:bodyPr/>
           <a:lstStyle>
             <a:lvl1pPr marL="0" indent="0">
+              <a:buNone/>
+              <a:defRPr sz="2400">
+                <a:solidFill>
+                  <a:schemeClr val="tx1">
+                    <a:tint val="75000"/>
+                  </a:schemeClr>
+                </a:solidFill>
+              </a:defRPr>
+            </a:lvl1pPr>
+            <a:lvl2pPr marL="457200" indent="0">
+              <a:buNone/>
+              <a:defRPr sz="2000">
+                <a:solidFill>
+                  <a:schemeClr val="tx1">
+                    <a:tint val="75000"/>
+                  </a:schemeClr>
+                </a:solidFill>
+              </a:defRPr>
+            </a:lvl2pPr>
+            <a:lvl3pPr marL="914400" indent="0">
               <a:buNone/>
               <a:defRPr sz="1800">
                 <a:solidFill>
@@ -1041,30 +938,10 @@
                   </a:schemeClr>
                 </a:solidFill>
               </a:defRPr>
-            </a:lvl1pPr>
-            <a:lvl2pPr marL="342900" indent="0">
-              <a:buNone/>
-              <a:defRPr sz="1500">
-                <a:solidFill>
-                  <a:schemeClr val="tx1">
-                    <a:tint val="75000"/>
-                  </a:schemeClr>
-                </a:solidFill>
-              </a:defRPr>
-            </a:lvl2pPr>
-            <a:lvl3pPr marL="685800" indent="0">
-              <a:buNone/>
-              <a:defRPr sz="1350">
-                <a:solidFill>
-                  <a:schemeClr val="tx1">
-                    <a:tint val="75000"/>
-                  </a:schemeClr>
-                </a:solidFill>
-              </a:defRPr>
             </a:lvl3pPr>
-            <a:lvl4pPr marL="1028700" indent="0">
-              <a:buNone/>
-              <a:defRPr sz="1200">
+            <a:lvl4pPr marL="1371600" indent="0">
+              <a:buNone/>
+              <a:defRPr sz="1600">
                 <a:solidFill>
                   <a:schemeClr val="tx1">
                     <a:tint val="75000"/>
@@ -1072,9 +949,9 @@
                 </a:solidFill>
               </a:defRPr>
             </a:lvl4pPr>
-            <a:lvl5pPr marL="1371600" indent="0">
-              <a:buNone/>
-              <a:defRPr sz="1200">
+            <a:lvl5pPr marL="1828800" indent="0">
+              <a:buNone/>
+              <a:defRPr sz="1600">
                 <a:solidFill>
                   <a:schemeClr val="tx1">
                     <a:tint val="75000"/>
@@ -1082,9 +959,9 @@
                 </a:solidFill>
               </a:defRPr>
             </a:lvl5pPr>
-            <a:lvl6pPr marL="1714500" indent="0">
-              <a:buNone/>
-              <a:defRPr sz="1200">
+            <a:lvl6pPr marL="2286000" indent="0">
+              <a:buNone/>
+              <a:defRPr sz="1600">
                 <a:solidFill>
                   <a:schemeClr val="tx1">
                     <a:tint val="75000"/>
@@ -1092,9 +969,9 @@
                 </a:solidFill>
               </a:defRPr>
             </a:lvl6pPr>
-            <a:lvl7pPr marL="2057400" indent="0">
-              <a:buNone/>
-              <a:defRPr sz="1200">
+            <a:lvl7pPr marL="2743200" indent="0">
+              <a:buNone/>
+              <a:defRPr sz="1600">
                 <a:solidFill>
                   <a:schemeClr val="tx1">
                     <a:tint val="75000"/>
@@ -1102,9 +979,9 @@
                 </a:solidFill>
               </a:defRPr>
             </a:lvl7pPr>
-            <a:lvl8pPr marL="2400300" indent="0">
-              <a:buNone/>
-              <a:defRPr sz="1200">
+            <a:lvl8pPr marL="3200400" indent="0">
+              <a:buNone/>
+              <a:defRPr sz="1600">
                 <a:solidFill>
                   <a:schemeClr val="tx1">
                     <a:tint val="75000"/>
@@ -1112,9 +989,9 @@
                 </a:solidFill>
               </a:defRPr>
             </a:lvl8pPr>
-            <a:lvl9pPr marL="2743200" indent="0">
-              <a:buNone/>
-              <a:defRPr sz="1200">
+            <a:lvl9pPr marL="3657600" indent="0">
+              <a:buNone/>
+              <a:defRPr sz="1600">
                 <a:solidFill>
                   <a:schemeClr val="tx1">
                     <a:tint val="75000"/>
@@ -1134,13 +1011,7 @@
       </p:sp>
       <p:sp>
         <p:nvSpPr>
-          <p:cNvPr id="4" name="Date Placeholder 3">
-            <a:extLst>
-              <a:ext uri="{FF2B5EF4-FFF2-40B4-BE49-F238E27FC236}">
-                <a16:creationId xmlns:a16="http://schemas.microsoft.com/office/drawing/2014/main" id="{9687B49C-AD87-B14A-8996-47DD125E1CFF}"/>
-              </a:ext>
-            </a:extLst>
-          </p:cNvPr>
+          <p:cNvPr id="4" name="Date Placeholder 3"/>
           <p:cNvSpPr>
             <a:spLocks noGrp="1"/>
           </p:cNvSpPr>
@@ -1155,7 +1026,7 @@
           <a:p>
             <a:fld id="{F6B75C2D-8946-494C-BE2F-E2999171E32C}" type="datetimeFigureOut">
               <a:rPr lang="en-GB" smtClean="0"/>
-              <a:t>02/05/2021</a:t>
+              <a:t>03/05/2021</a:t>
             </a:fld>
             <a:endParaRPr lang="en-GB"/>
           </a:p>
@@ -1163,13 +1034,7 @@
       </p:sp>
       <p:sp>
         <p:nvSpPr>
-          <p:cNvPr id="5" name="Footer Placeholder 4">
-            <a:extLst>
-              <a:ext uri="{FF2B5EF4-FFF2-40B4-BE49-F238E27FC236}">
-                <a16:creationId xmlns:a16="http://schemas.microsoft.com/office/drawing/2014/main" id="{D1284CCC-82A1-794D-9316-FAC73E22723B}"/>
-              </a:ext>
-            </a:extLst>
-          </p:cNvPr>
+          <p:cNvPr id="5" name="Footer Placeholder 4"/>
           <p:cNvSpPr>
             <a:spLocks noGrp="1"/>
           </p:cNvSpPr>
@@ -1188,13 +1053,7 @@
       </p:sp>
       <p:sp>
         <p:nvSpPr>
-          <p:cNvPr id="6" name="Slide Number Placeholder 5">
-            <a:extLst>
-              <a:ext uri="{FF2B5EF4-FFF2-40B4-BE49-F238E27FC236}">
-                <a16:creationId xmlns:a16="http://schemas.microsoft.com/office/drawing/2014/main" id="{73127835-BCFC-4240-975F-8BADFE8ECCE5}"/>
-              </a:ext>
-            </a:extLst>
-          </p:cNvPr>
+          <p:cNvPr id="6" name="Slide Number Placeholder 5"/>
           <p:cNvSpPr>
             <a:spLocks noGrp="1"/>
           </p:cNvSpPr>
@@ -1218,7 +1077,7 @@
     </p:spTree>
     <p:extLst>
       <p:ext uri="{BB962C8B-B14F-4D97-AF65-F5344CB8AC3E}">
-        <p14:creationId xmlns:p14="http://schemas.microsoft.com/office/powerpoint/2010/main" val="1343975327"/>
+        <p14:creationId xmlns:p14="http://schemas.microsoft.com/office/powerpoint/2010/main" val="3880085725"/>
       </p:ext>
     </p:extLst>
   </p:cSld>
@@ -1247,13 +1106,7 @@
       </p:grpSpPr>
       <p:sp>
         <p:nvSpPr>
-          <p:cNvPr id="2" name="Title 1">
-            <a:extLst>
-              <a:ext uri="{FF2B5EF4-FFF2-40B4-BE49-F238E27FC236}">
-                <a16:creationId xmlns:a16="http://schemas.microsoft.com/office/drawing/2014/main" id="{ADDC5D99-2F0D-A84E-A197-3EF694CB41CF}"/>
-              </a:ext>
-            </a:extLst>
-          </p:cNvPr>
+          <p:cNvPr id="2" name="Title 1"/>
           <p:cNvSpPr>
             <a:spLocks noGrp="1"/>
           </p:cNvSpPr>
@@ -1270,18 +1123,13 @@
               <a:rPr lang="en-GB"/>
               <a:t>Click to edit Master title style</a:t>
             </a:r>
-          </a:p>
-        </p:txBody>
-      </p:sp>
-      <p:sp>
-        <p:nvSpPr>
-          <p:cNvPr id="3" name="Content Placeholder 2">
-            <a:extLst>
-              <a:ext uri="{FF2B5EF4-FFF2-40B4-BE49-F238E27FC236}">
-                <a16:creationId xmlns:a16="http://schemas.microsoft.com/office/drawing/2014/main" id="{80649923-CEF2-4145-A6E8-2955CCC95367}"/>
-              </a:ext>
-            </a:extLst>
-          </p:cNvPr>
+            <a:endParaRPr lang="en-US" dirty="0"/>
+          </a:p>
+        </p:txBody>
+      </p:sp>
+      <p:sp>
+        <p:nvSpPr>
+          <p:cNvPr id="3" name="Content Placeholder 2"/>
           <p:cNvSpPr>
             <a:spLocks noGrp="1"/>
           </p:cNvSpPr>
@@ -1291,8 +1139,8 @@
         </p:nvSpPr>
         <p:spPr>
           <a:xfrm>
-            <a:off x="628650" y="1825625"/>
-            <a:ext cx="3886200" cy="4351338"/>
+            <a:off x="838200" y="1825625"/>
+            <a:ext cx="5181600" cy="4351338"/>
           </a:xfrm>
         </p:spPr>
         <p:txBody>
@@ -1332,18 +1180,13 @@
               <a:rPr lang="en-GB"/>
               <a:t>Fifth level</a:t>
             </a:r>
-          </a:p>
-        </p:txBody>
-      </p:sp>
-      <p:sp>
-        <p:nvSpPr>
-          <p:cNvPr id="4" name="Content Placeholder 3">
-            <a:extLst>
-              <a:ext uri="{FF2B5EF4-FFF2-40B4-BE49-F238E27FC236}">
-                <a16:creationId xmlns:a16="http://schemas.microsoft.com/office/drawing/2014/main" id="{9D3133E9-98F8-CE43-904F-ED991A1069D8}"/>
-              </a:ext>
-            </a:extLst>
-          </p:cNvPr>
+            <a:endParaRPr lang="en-US" dirty="0"/>
+          </a:p>
+        </p:txBody>
+      </p:sp>
+      <p:sp>
+        <p:nvSpPr>
+          <p:cNvPr id="4" name="Content Placeholder 3"/>
           <p:cNvSpPr>
             <a:spLocks noGrp="1"/>
           </p:cNvSpPr>
@@ -1353,8 +1196,8 @@
         </p:nvSpPr>
         <p:spPr>
           <a:xfrm>
-            <a:off x="4629150" y="1825625"/>
-            <a:ext cx="3886200" cy="4351338"/>
+            <a:off x="6172200" y="1825625"/>
+            <a:ext cx="5181600" cy="4351338"/>
           </a:xfrm>
         </p:spPr>
         <p:txBody>
@@ -1394,18 +1237,13 @@
               <a:rPr lang="en-GB"/>
               <a:t>Fifth level</a:t>
             </a:r>
-          </a:p>
-        </p:txBody>
-      </p:sp>
-      <p:sp>
-        <p:nvSpPr>
-          <p:cNvPr id="5" name="Date Placeholder 4">
-            <a:extLst>
-              <a:ext uri="{FF2B5EF4-FFF2-40B4-BE49-F238E27FC236}">
-                <a16:creationId xmlns:a16="http://schemas.microsoft.com/office/drawing/2014/main" id="{4DC565F3-C111-924E-B7AD-8466917E542D}"/>
-              </a:ext>
-            </a:extLst>
-          </p:cNvPr>
+            <a:endParaRPr lang="en-US" dirty="0"/>
+          </a:p>
+        </p:txBody>
+      </p:sp>
+      <p:sp>
+        <p:nvSpPr>
+          <p:cNvPr id="5" name="Date Placeholder 4"/>
           <p:cNvSpPr>
             <a:spLocks noGrp="1"/>
           </p:cNvSpPr>
@@ -1420,7 +1258,7 @@
           <a:p>
             <a:fld id="{F6B75C2D-8946-494C-BE2F-E2999171E32C}" type="datetimeFigureOut">
               <a:rPr lang="en-GB" smtClean="0"/>
-              <a:t>02/05/2021</a:t>
+              <a:t>03/05/2021</a:t>
             </a:fld>
             <a:endParaRPr lang="en-GB"/>
           </a:p>
@@ -1428,13 +1266,7 @@
       </p:sp>
       <p:sp>
         <p:nvSpPr>
-          <p:cNvPr id="6" name="Footer Placeholder 5">
-            <a:extLst>
-              <a:ext uri="{FF2B5EF4-FFF2-40B4-BE49-F238E27FC236}">
-                <a16:creationId xmlns:a16="http://schemas.microsoft.com/office/drawing/2014/main" id="{91E7F085-2770-F647-8DD9-1537CC213EEA}"/>
-              </a:ext>
-            </a:extLst>
-          </p:cNvPr>
+          <p:cNvPr id="6" name="Footer Placeholder 5"/>
           <p:cNvSpPr>
             <a:spLocks noGrp="1"/>
           </p:cNvSpPr>
@@ -1453,13 +1285,7 @@
       </p:sp>
       <p:sp>
         <p:nvSpPr>
-          <p:cNvPr id="7" name="Slide Number Placeholder 6">
-            <a:extLst>
-              <a:ext uri="{FF2B5EF4-FFF2-40B4-BE49-F238E27FC236}">
-                <a16:creationId xmlns:a16="http://schemas.microsoft.com/office/drawing/2014/main" id="{BD95E258-061A-FA48-98E2-5987791192DE}"/>
-              </a:ext>
-            </a:extLst>
-          </p:cNvPr>
+          <p:cNvPr id="7" name="Slide Number Placeholder 6"/>
           <p:cNvSpPr>
             <a:spLocks noGrp="1"/>
           </p:cNvSpPr>
@@ -1483,7 +1309,7 @@
     </p:spTree>
     <p:extLst>
       <p:ext uri="{BB962C8B-B14F-4D97-AF65-F5344CB8AC3E}">
-        <p14:creationId xmlns:p14="http://schemas.microsoft.com/office/powerpoint/2010/main" val="3061427088"/>
+        <p14:creationId xmlns:p14="http://schemas.microsoft.com/office/powerpoint/2010/main" val="1263490219"/>
       </p:ext>
     </p:extLst>
   </p:cSld>
@@ -1512,13 +1338,7 @@
       </p:grpSpPr>
       <p:sp>
         <p:nvSpPr>
-          <p:cNvPr id="2" name="Title 1">
-            <a:extLst>
-              <a:ext uri="{FF2B5EF4-FFF2-40B4-BE49-F238E27FC236}">
-                <a16:creationId xmlns:a16="http://schemas.microsoft.com/office/drawing/2014/main" id="{9AD0BA8B-6FBE-2548-B0D9-E2B2F551C64E}"/>
-              </a:ext>
-            </a:extLst>
-          </p:cNvPr>
+          <p:cNvPr id="2" name="Title 1"/>
           <p:cNvSpPr>
             <a:spLocks noGrp="1"/>
           </p:cNvSpPr>
@@ -1528,8 +1348,8 @@
         </p:nvSpPr>
         <p:spPr>
           <a:xfrm>
-            <a:off x="629841" y="365126"/>
-            <a:ext cx="7886700" cy="1325563"/>
+            <a:off x="839788" y="365125"/>
+            <a:ext cx="10515600" cy="1325563"/>
           </a:xfrm>
         </p:spPr>
         <p:txBody>
@@ -1540,18 +1360,13 @@
               <a:rPr lang="en-GB"/>
               <a:t>Click to edit Master title style</a:t>
             </a:r>
-          </a:p>
-        </p:txBody>
-      </p:sp>
-      <p:sp>
-        <p:nvSpPr>
-          <p:cNvPr id="3" name="Text Placeholder 2">
-            <a:extLst>
-              <a:ext uri="{FF2B5EF4-FFF2-40B4-BE49-F238E27FC236}">
-                <a16:creationId xmlns:a16="http://schemas.microsoft.com/office/drawing/2014/main" id="{68FD2DB2-1D94-3443-8FD2-175A80D27BED}"/>
-              </a:ext>
-            </a:extLst>
-          </p:cNvPr>
+            <a:endParaRPr lang="en-US" dirty="0"/>
+          </a:p>
+        </p:txBody>
+      </p:sp>
+      <p:sp>
+        <p:nvSpPr>
+          <p:cNvPr id="3" name="Text Placeholder 2"/>
           <p:cNvSpPr>
             <a:spLocks noGrp="1"/>
           </p:cNvSpPr>
@@ -1561,8 +1376,8 @@
         </p:nvSpPr>
         <p:spPr>
           <a:xfrm>
-            <a:off x="629842" y="1681163"/>
-            <a:ext cx="3868340" cy="823912"/>
+            <a:off x="839788" y="1681163"/>
+            <a:ext cx="5157787" cy="823912"/>
           </a:xfrm>
         </p:spPr>
         <p:txBody>
@@ -1570,39 +1385,39 @@
           <a:lstStyle>
             <a:lvl1pPr marL="0" indent="0">
               <a:buNone/>
+              <a:defRPr sz="2400" b="1"/>
+            </a:lvl1pPr>
+            <a:lvl2pPr marL="457200" indent="0">
+              <a:buNone/>
+              <a:defRPr sz="2000" b="1"/>
+            </a:lvl2pPr>
+            <a:lvl3pPr marL="914400" indent="0">
+              <a:buNone/>
               <a:defRPr sz="1800" b="1"/>
-            </a:lvl1pPr>
-            <a:lvl2pPr marL="342900" indent="0">
-              <a:buNone/>
-              <a:defRPr sz="1500" b="1"/>
-            </a:lvl2pPr>
-            <a:lvl3pPr marL="685800" indent="0">
-              <a:buNone/>
-              <a:defRPr sz="1350" b="1"/>
             </a:lvl3pPr>
-            <a:lvl4pPr marL="1028700" indent="0">
-              <a:buNone/>
-              <a:defRPr sz="1200" b="1"/>
+            <a:lvl4pPr marL="1371600" indent="0">
+              <a:buNone/>
+              <a:defRPr sz="1600" b="1"/>
             </a:lvl4pPr>
-            <a:lvl5pPr marL="1371600" indent="0">
-              <a:buNone/>
-              <a:defRPr sz="1200" b="1"/>
+            <a:lvl5pPr marL="1828800" indent="0">
+              <a:buNone/>
+              <a:defRPr sz="1600" b="1"/>
             </a:lvl5pPr>
-            <a:lvl6pPr marL="1714500" indent="0">
-              <a:buNone/>
-              <a:defRPr sz="1200" b="1"/>
+            <a:lvl6pPr marL="2286000" indent="0">
+              <a:buNone/>
+              <a:defRPr sz="1600" b="1"/>
             </a:lvl6pPr>
-            <a:lvl7pPr marL="2057400" indent="0">
-              <a:buNone/>
-              <a:defRPr sz="1200" b="1"/>
+            <a:lvl7pPr marL="2743200" indent="0">
+              <a:buNone/>
+              <a:defRPr sz="1600" b="1"/>
             </a:lvl7pPr>
-            <a:lvl8pPr marL="2400300" indent="0">
-              <a:buNone/>
-              <a:defRPr sz="1200" b="1"/>
+            <a:lvl8pPr marL="3200400" indent="0">
+              <a:buNone/>
+              <a:defRPr sz="1600" b="1"/>
             </a:lvl8pPr>
-            <a:lvl9pPr marL="2743200" indent="0">
-              <a:buNone/>
-              <a:defRPr sz="1200" b="1"/>
+            <a:lvl9pPr marL="3657600" indent="0">
+              <a:buNone/>
+              <a:defRPr sz="1600" b="1"/>
             </a:lvl9pPr>
           </a:lstStyle>
           <a:p>
@@ -1616,13 +1431,7 @@
       </p:sp>
       <p:sp>
         <p:nvSpPr>
-          <p:cNvPr id="4" name="Content Placeholder 3">
-            <a:extLst>
-              <a:ext uri="{FF2B5EF4-FFF2-40B4-BE49-F238E27FC236}">
-                <a16:creationId xmlns:a16="http://schemas.microsoft.com/office/drawing/2014/main" id="{1BE3A65D-8EA8-7441-BEA0-E4E6B053CF65}"/>
-              </a:ext>
-            </a:extLst>
-          </p:cNvPr>
+          <p:cNvPr id="4" name="Content Placeholder 3"/>
           <p:cNvSpPr>
             <a:spLocks noGrp="1"/>
           </p:cNvSpPr>
@@ -1632,8 +1441,8 @@
         </p:nvSpPr>
         <p:spPr>
           <a:xfrm>
-            <a:off x="629842" y="2505075"/>
-            <a:ext cx="3868340" cy="3684588"/>
+            <a:off x="839788" y="2505075"/>
+            <a:ext cx="5157787" cy="3684588"/>
           </a:xfrm>
         </p:spPr>
         <p:txBody>
@@ -1673,18 +1482,13 @@
               <a:rPr lang="en-GB"/>
               <a:t>Fifth level</a:t>
             </a:r>
-          </a:p>
-        </p:txBody>
-      </p:sp>
-      <p:sp>
-        <p:nvSpPr>
-          <p:cNvPr id="5" name="Text Placeholder 4">
-            <a:extLst>
-              <a:ext uri="{FF2B5EF4-FFF2-40B4-BE49-F238E27FC236}">
-                <a16:creationId xmlns:a16="http://schemas.microsoft.com/office/drawing/2014/main" id="{3E46DAD3-4A42-7541-A32B-B65201A437DC}"/>
-              </a:ext>
-            </a:extLst>
-          </p:cNvPr>
+            <a:endParaRPr lang="en-US" dirty="0"/>
+          </a:p>
+        </p:txBody>
+      </p:sp>
+      <p:sp>
+        <p:nvSpPr>
+          <p:cNvPr id="5" name="Text Placeholder 4"/>
           <p:cNvSpPr>
             <a:spLocks noGrp="1"/>
           </p:cNvSpPr>
@@ -1694,8 +1498,8 @@
         </p:nvSpPr>
         <p:spPr>
           <a:xfrm>
-            <a:off x="4629150" y="1681163"/>
-            <a:ext cx="3887391" cy="823912"/>
+            <a:off x="6172200" y="1681163"/>
+            <a:ext cx="5183188" cy="823912"/>
           </a:xfrm>
         </p:spPr>
         <p:txBody>
@@ -1703,39 +1507,39 @@
           <a:lstStyle>
             <a:lvl1pPr marL="0" indent="0">
               <a:buNone/>
+              <a:defRPr sz="2400" b="1"/>
+            </a:lvl1pPr>
+            <a:lvl2pPr marL="457200" indent="0">
+              <a:buNone/>
+              <a:defRPr sz="2000" b="1"/>
+            </a:lvl2pPr>
+            <a:lvl3pPr marL="914400" indent="0">
+              <a:buNone/>
               <a:defRPr sz="1800" b="1"/>
-            </a:lvl1pPr>
-            <a:lvl2pPr marL="342900" indent="0">
-              <a:buNone/>
-              <a:defRPr sz="1500" b="1"/>
-            </a:lvl2pPr>
-            <a:lvl3pPr marL="685800" indent="0">
-              <a:buNone/>
-              <a:defRPr sz="1350" b="1"/>
             </a:lvl3pPr>
-            <a:lvl4pPr marL="1028700" indent="0">
-              <a:buNone/>
-              <a:defRPr sz="1200" b="1"/>
+            <a:lvl4pPr marL="1371600" indent="0">
+              <a:buNone/>
+              <a:defRPr sz="1600" b="1"/>
             </a:lvl4pPr>
-            <a:lvl5pPr marL="1371600" indent="0">
-              <a:buNone/>
-              <a:defRPr sz="1200" b="1"/>
+            <a:lvl5pPr marL="1828800" indent="0">
+              <a:buNone/>
+              <a:defRPr sz="1600" b="1"/>
             </a:lvl5pPr>
-            <a:lvl6pPr marL="1714500" indent="0">
-              <a:buNone/>
-              <a:defRPr sz="1200" b="1"/>
+            <a:lvl6pPr marL="2286000" indent="0">
+              <a:buNone/>
+              <a:defRPr sz="1600" b="1"/>
             </a:lvl6pPr>
-            <a:lvl7pPr marL="2057400" indent="0">
-              <a:buNone/>
-              <a:defRPr sz="1200" b="1"/>
+            <a:lvl7pPr marL="2743200" indent="0">
+              <a:buNone/>
+              <a:defRPr sz="1600" b="1"/>
             </a:lvl7pPr>
-            <a:lvl8pPr marL="2400300" indent="0">
-              <a:buNone/>
-              <a:defRPr sz="1200" b="1"/>
+            <a:lvl8pPr marL="3200400" indent="0">
+              <a:buNone/>
+              <a:defRPr sz="1600" b="1"/>
             </a:lvl8pPr>
-            <a:lvl9pPr marL="2743200" indent="0">
-              <a:buNone/>
-              <a:defRPr sz="1200" b="1"/>
+            <a:lvl9pPr marL="3657600" indent="0">
+              <a:buNone/>
+              <a:defRPr sz="1600" b="1"/>
             </a:lvl9pPr>
           </a:lstStyle>
           <a:p>
@@ -1749,13 +1553,7 @@
       </p:sp>
       <p:sp>
         <p:nvSpPr>
-          <p:cNvPr id="6" name="Content Placeholder 5">
-            <a:extLst>
-              <a:ext uri="{FF2B5EF4-FFF2-40B4-BE49-F238E27FC236}">
-                <a16:creationId xmlns:a16="http://schemas.microsoft.com/office/drawing/2014/main" id="{15857E54-61F3-824A-86EE-4604ABC9EB1E}"/>
-              </a:ext>
-            </a:extLst>
-          </p:cNvPr>
+          <p:cNvPr id="6" name="Content Placeholder 5"/>
           <p:cNvSpPr>
             <a:spLocks noGrp="1"/>
           </p:cNvSpPr>
@@ -1765,8 +1563,8 @@
         </p:nvSpPr>
         <p:spPr>
           <a:xfrm>
-            <a:off x="4629150" y="2505075"/>
-            <a:ext cx="3887391" cy="3684588"/>
+            <a:off x="6172200" y="2505075"/>
+            <a:ext cx="5183188" cy="3684588"/>
           </a:xfrm>
         </p:spPr>
         <p:txBody>
@@ -1806,18 +1604,13 @@
               <a:rPr lang="en-GB"/>
               <a:t>Fifth level</a:t>
             </a:r>
-          </a:p>
-        </p:txBody>
-      </p:sp>
-      <p:sp>
-        <p:nvSpPr>
-          <p:cNvPr id="7" name="Date Placeholder 6">
-            <a:extLst>
-              <a:ext uri="{FF2B5EF4-FFF2-40B4-BE49-F238E27FC236}">
-                <a16:creationId xmlns:a16="http://schemas.microsoft.com/office/drawing/2014/main" id="{35197020-3787-1D47-A130-513A28E55B96}"/>
-              </a:ext>
-            </a:extLst>
-          </p:cNvPr>
+            <a:endParaRPr lang="en-US" dirty="0"/>
+          </a:p>
+        </p:txBody>
+      </p:sp>
+      <p:sp>
+        <p:nvSpPr>
+          <p:cNvPr id="7" name="Date Placeholder 6"/>
           <p:cNvSpPr>
             <a:spLocks noGrp="1"/>
           </p:cNvSpPr>
@@ -1832,7 +1625,7 @@
           <a:p>
             <a:fld id="{F6B75C2D-8946-494C-BE2F-E2999171E32C}" type="datetimeFigureOut">
               <a:rPr lang="en-GB" smtClean="0"/>
-              <a:t>02/05/2021</a:t>
+              <a:t>03/05/2021</a:t>
             </a:fld>
             <a:endParaRPr lang="en-GB"/>
           </a:p>
@@ -1840,13 +1633,7 @@
       </p:sp>
       <p:sp>
         <p:nvSpPr>
-          <p:cNvPr id="8" name="Footer Placeholder 7">
-            <a:extLst>
-              <a:ext uri="{FF2B5EF4-FFF2-40B4-BE49-F238E27FC236}">
-                <a16:creationId xmlns:a16="http://schemas.microsoft.com/office/drawing/2014/main" id="{0AB5A8C4-2433-8E41-8B33-263D73C11E5F}"/>
-              </a:ext>
-            </a:extLst>
-          </p:cNvPr>
+          <p:cNvPr id="8" name="Footer Placeholder 7"/>
           <p:cNvSpPr>
             <a:spLocks noGrp="1"/>
           </p:cNvSpPr>
@@ -1865,13 +1652,7 @@
       </p:sp>
       <p:sp>
         <p:nvSpPr>
-          <p:cNvPr id="9" name="Slide Number Placeholder 8">
-            <a:extLst>
-              <a:ext uri="{FF2B5EF4-FFF2-40B4-BE49-F238E27FC236}">
-                <a16:creationId xmlns:a16="http://schemas.microsoft.com/office/drawing/2014/main" id="{F18E602C-F80E-C345-BABC-91ABA2D4C7DB}"/>
-              </a:ext>
-            </a:extLst>
-          </p:cNvPr>
+          <p:cNvPr id="9" name="Slide Number Placeholder 8"/>
           <p:cNvSpPr>
             <a:spLocks noGrp="1"/>
           </p:cNvSpPr>
@@ -1895,7 +1676,7 @@
     </p:spTree>
     <p:extLst>
       <p:ext uri="{BB962C8B-B14F-4D97-AF65-F5344CB8AC3E}">
-        <p14:creationId xmlns:p14="http://schemas.microsoft.com/office/powerpoint/2010/main" val="2779178091"/>
+        <p14:creationId xmlns:p14="http://schemas.microsoft.com/office/powerpoint/2010/main" val="2233140740"/>
       </p:ext>
     </p:extLst>
   </p:cSld>
@@ -1924,13 +1705,7 @@
       </p:grpSpPr>
       <p:sp>
         <p:nvSpPr>
-          <p:cNvPr id="2" name="Title 1">
-            <a:extLst>
-              <a:ext uri="{FF2B5EF4-FFF2-40B4-BE49-F238E27FC236}">
-                <a16:creationId xmlns:a16="http://schemas.microsoft.com/office/drawing/2014/main" id="{0124A7CC-74CC-164C-BB3E-8E28617F13D8}"/>
-              </a:ext>
-            </a:extLst>
-          </p:cNvPr>
+          <p:cNvPr id="2" name="Title 1"/>
           <p:cNvSpPr>
             <a:spLocks noGrp="1"/>
           </p:cNvSpPr>
@@ -1947,18 +1722,13 @@
               <a:rPr lang="en-GB"/>
               <a:t>Click to edit Master title style</a:t>
             </a:r>
-          </a:p>
-        </p:txBody>
-      </p:sp>
-      <p:sp>
-        <p:nvSpPr>
-          <p:cNvPr id="3" name="Date Placeholder 2">
-            <a:extLst>
-              <a:ext uri="{FF2B5EF4-FFF2-40B4-BE49-F238E27FC236}">
-                <a16:creationId xmlns:a16="http://schemas.microsoft.com/office/drawing/2014/main" id="{3A3F63ED-86EB-164C-A933-F4B4026236A9}"/>
-              </a:ext>
-            </a:extLst>
-          </p:cNvPr>
+            <a:endParaRPr lang="en-US" dirty="0"/>
+          </a:p>
+        </p:txBody>
+      </p:sp>
+      <p:sp>
+        <p:nvSpPr>
+          <p:cNvPr id="3" name="Date Placeholder 2"/>
           <p:cNvSpPr>
             <a:spLocks noGrp="1"/>
           </p:cNvSpPr>
@@ -1973,7 +1743,7 @@
           <a:p>
             <a:fld id="{F6B75C2D-8946-494C-BE2F-E2999171E32C}" type="datetimeFigureOut">
               <a:rPr lang="en-GB" smtClean="0"/>
-              <a:t>02/05/2021</a:t>
+              <a:t>03/05/2021</a:t>
             </a:fld>
             <a:endParaRPr lang="en-GB"/>
           </a:p>
@@ -1981,13 +1751,7 @@
       </p:sp>
       <p:sp>
         <p:nvSpPr>
-          <p:cNvPr id="4" name="Footer Placeholder 3">
-            <a:extLst>
-              <a:ext uri="{FF2B5EF4-FFF2-40B4-BE49-F238E27FC236}">
-                <a16:creationId xmlns:a16="http://schemas.microsoft.com/office/drawing/2014/main" id="{3AF97211-C848-9A4E-AA8B-54315FA12A2D}"/>
-              </a:ext>
-            </a:extLst>
-          </p:cNvPr>
+          <p:cNvPr id="4" name="Footer Placeholder 3"/>
           <p:cNvSpPr>
             <a:spLocks noGrp="1"/>
           </p:cNvSpPr>
@@ -2006,13 +1770,7 @@
       </p:sp>
       <p:sp>
         <p:nvSpPr>
-          <p:cNvPr id="5" name="Slide Number Placeholder 4">
-            <a:extLst>
-              <a:ext uri="{FF2B5EF4-FFF2-40B4-BE49-F238E27FC236}">
-                <a16:creationId xmlns:a16="http://schemas.microsoft.com/office/drawing/2014/main" id="{8FC21693-257B-9C4F-A082-78A2657A09B0}"/>
-              </a:ext>
-            </a:extLst>
-          </p:cNvPr>
+          <p:cNvPr id="5" name="Slide Number Placeholder 4"/>
           <p:cNvSpPr>
             <a:spLocks noGrp="1"/>
           </p:cNvSpPr>
@@ -2036,7 +1794,7 @@
     </p:spTree>
     <p:extLst>
       <p:ext uri="{BB962C8B-B14F-4D97-AF65-F5344CB8AC3E}">
-        <p14:creationId xmlns:p14="http://schemas.microsoft.com/office/powerpoint/2010/main" val="212626152"/>
+        <p14:creationId xmlns:p14="http://schemas.microsoft.com/office/powerpoint/2010/main" val="3007103697"/>
       </p:ext>
     </p:extLst>
   </p:cSld>
@@ -2065,13 +1823,7 @@
       </p:grpSpPr>
       <p:sp>
         <p:nvSpPr>
-          <p:cNvPr id="2" name="Date Placeholder 1">
-            <a:extLst>
-              <a:ext uri="{FF2B5EF4-FFF2-40B4-BE49-F238E27FC236}">
-                <a16:creationId xmlns:a16="http://schemas.microsoft.com/office/drawing/2014/main" id="{71A0ABCC-C6F1-C346-90DC-DCA291CA4C5C}"/>
-              </a:ext>
-            </a:extLst>
-          </p:cNvPr>
+          <p:cNvPr id="2" name="Date Placeholder 1"/>
           <p:cNvSpPr>
             <a:spLocks noGrp="1"/>
           </p:cNvSpPr>
@@ -2086,7 +1838,7 @@
           <a:p>
             <a:fld id="{F6B75C2D-8946-494C-BE2F-E2999171E32C}" type="datetimeFigureOut">
               <a:rPr lang="en-GB" smtClean="0"/>
-              <a:t>02/05/2021</a:t>
+              <a:t>03/05/2021</a:t>
             </a:fld>
             <a:endParaRPr lang="en-GB"/>
           </a:p>
@@ -2094,13 +1846,7 @@
       </p:sp>
       <p:sp>
         <p:nvSpPr>
-          <p:cNvPr id="3" name="Footer Placeholder 2">
-            <a:extLst>
-              <a:ext uri="{FF2B5EF4-FFF2-40B4-BE49-F238E27FC236}">
-                <a16:creationId xmlns:a16="http://schemas.microsoft.com/office/drawing/2014/main" id="{CE2F2F60-5705-F140-888B-A29D1CE3F359}"/>
-              </a:ext>
-            </a:extLst>
-          </p:cNvPr>
+          <p:cNvPr id="3" name="Footer Placeholder 2"/>
           <p:cNvSpPr>
             <a:spLocks noGrp="1"/>
           </p:cNvSpPr>
@@ -2119,13 +1865,7 @@
       </p:sp>
       <p:sp>
         <p:nvSpPr>
-          <p:cNvPr id="4" name="Slide Number Placeholder 3">
-            <a:extLst>
-              <a:ext uri="{FF2B5EF4-FFF2-40B4-BE49-F238E27FC236}">
-                <a16:creationId xmlns:a16="http://schemas.microsoft.com/office/drawing/2014/main" id="{1A1E6761-5C3B-7141-BA7D-4BD89A32A596}"/>
-              </a:ext>
-            </a:extLst>
-          </p:cNvPr>
+          <p:cNvPr id="4" name="Slide Number Placeholder 3"/>
           <p:cNvSpPr>
             <a:spLocks noGrp="1"/>
           </p:cNvSpPr>
@@ -2149,7 +1889,7 @@
     </p:spTree>
     <p:extLst>
       <p:ext uri="{BB962C8B-B14F-4D97-AF65-F5344CB8AC3E}">
-        <p14:creationId xmlns:p14="http://schemas.microsoft.com/office/powerpoint/2010/main" val="2710287447"/>
+        <p14:creationId xmlns:p14="http://schemas.microsoft.com/office/powerpoint/2010/main" val="1027687212"/>
       </p:ext>
     </p:extLst>
   </p:cSld>
@@ -2178,13 +1918,7 @@
       </p:grpSpPr>
       <p:sp>
         <p:nvSpPr>
-          <p:cNvPr id="2" name="Title 1">
-            <a:extLst>
-              <a:ext uri="{FF2B5EF4-FFF2-40B4-BE49-F238E27FC236}">
-                <a16:creationId xmlns:a16="http://schemas.microsoft.com/office/drawing/2014/main" id="{4B809328-A340-8146-9734-A5D41A3A5355}"/>
-              </a:ext>
-            </a:extLst>
-          </p:cNvPr>
+          <p:cNvPr id="2" name="Title 1"/>
           <p:cNvSpPr>
             <a:spLocks noGrp="1"/>
           </p:cNvSpPr>
@@ -2194,15 +1928,15 @@
         </p:nvSpPr>
         <p:spPr>
           <a:xfrm>
-            <a:off x="629841" y="457200"/>
-            <a:ext cx="2949178" cy="1600200"/>
+            <a:off x="839788" y="457200"/>
+            <a:ext cx="3932237" cy="1600200"/>
           </a:xfrm>
         </p:spPr>
         <p:txBody>
           <a:bodyPr anchor="b"/>
           <a:lstStyle>
             <a:lvl1pPr>
-              <a:defRPr sz="2400"/>
+              <a:defRPr sz="3200"/>
             </a:lvl1pPr>
           </a:lstStyle>
           <a:p>
@@ -2210,18 +1944,13 @@
               <a:rPr lang="en-GB"/>
               <a:t>Click to edit Master title style</a:t>
             </a:r>
-          </a:p>
-        </p:txBody>
-      </p:sp>
-      <p:sp>
-        <p:nvSpPr>
-          <p:cNvPr id="3" name="Content Placeholder 2">
-            <a:extLst>
-              <a:ext uri="{FF2B5EF4-FFF2-40B4-BE49-F238E27FC236}">
-                <a16:creationId xmlns:a16="http://schemas.microsoft.com/office/drawing/2014/main" id="{9AF82EB1-1DFC-5044-B1C9-E11BDFE79C73}"/>
-              </a:ext>
-            </a:extLst>
-          </p:cNvPr>
+            <a:endParaRPr lang="en-US" dirty="0"/>
+          </a:p>
+        </p:txBody>
+      </p:sp>
+      <p:sp>
+        <p:nvSpPr>
+          <p:cNvPr id="3" name="Content Placeholder 2"/>
           <p:cNvSpPr>
             <a:spLocks noGrp="1"/>
           </p:cNvSpPr>
@@ -2231,39 +1960,39 @@
         </p:nvSpPr>
         <p:spPr>
           <a:xfrm>
-            <a:off x="3887391" y="987426"/>
-            <a:ext cx="4629150" cy="4873625"/>
+            <a:off x="5183188" y="987425"/>
+            <a:ext cx="6172200" cy="4873625"/>
           </a:xfrm>
         </p:spPr>
         <p:txBody>
           <a:bodyPr/>
           <a:lstStyle>
             <a:lvl1pPr>
-              <a:defRPr sz="2400"/>
+              <a:defRPr sz="3200"/>
             </a:lvl1pPr>
             <a:lvl2pPr>
-              <a:defRPr sz="2100"/>
+              <a:defRPr sz="2800"/>
             </a:lvl2pPr>
             <a:lvl3pPr>
-              <a:defRPr sz="1800"/>
+              <a:defRPr sz="2400"/>
             </a:lvl3pPr>
             <a:lvl4pPr>
-              <a:defRPr sz="1500"/>
+              <a:defRPr sz="2000"/>
             </a:lvl4pPr>
             <a:lvl5pPr>
-              <a:defRPr sz="1500"/>
+              <a:defRPr sz="2000"/>
             </a:lvl5pPr>
             <a:lvl6pPr>
-              <a:defRPr sz="1500"/>
+              <a:defRPr sz="2000"/>
             </a:lvl6pPr>
             <a:lvl7pPr>
-              <a:defRPr sz="1500"/>
+              <a:defRPr sz="2000"/>
             </a:lvl7pPr>
             <a:lvl8pPr>
-              <a:defRPr sz="1500"/>
+              <a:defRPr sz="2000"/>
             </a:lvl8pPr>
             <a:lvl9pPr>
-              <a:defRPr sz="1500"/>
+              <a:defRPr sz="2000"/>
             </a:lvl9pPr>
           </a:lstStyle>
           <a:p>
@@ -2300,18 +2029,13 @@
               <a:rPr lang="en-GB"/>
               <a:t>Fifth level</a:t>
             </a:r>
-          </a:p>
-        </p:txBody>
-      </p:sp>
-      <p:sp>
-        <p:nvSpPr>
-          <p:cNvPr id="4" name="Text Placeholder 3">
-            <a:extLst>
-              <a:ext uri="{FF2B5EF4-FFF2-40B4-BE49-F238E27FC236}">
-                <a16:creationId xmlns:a16="http://schemas.microsoft.com/office/drawing/2014/main" id="{5D2DCF95-6ABC-D646-956A-8167D5A77CC3}"/>
-              </a:ext>
-            </a:extLst>
-          </p:cNvPr>
+            <a:endParaRPr lang="en-US" dirty="0"/>
+          </a:p>
+        </p:txBody>
+      </p:sp>
+      <p:sp>
+        <p:nvSpPr>
+          <p:cNvPr id="4" name="Text Placeholder 3"/>
           <p:cNvSpPr>
             <a:spLocks noGrp="1"/>
           </p:cNvSpPr>
@@ -2321,8 +2045,8 @@
         </p:nvSpPr>
         <p:spPr>
           <a:xfrm>
-            <a:off x="629841" y="2057400"/>
-            <a:ext cx="2949178" cy="3811588"/>
+            <a:off x="839788" y="2057400"/>
+            <a:ext cx="3932237" cy="3811588"/>
           </a:xfrm>
         </p:spPr>
         <p:txBody>
@@ -2330,39 +2054,39 @@
           <a:lstStyle>
             <a:lvl1pPr marL="0" indent="0">
               <a:buNone/>
+              <a:defRPr sz="1600"/>
+            </a:lvl1pPr>
+            <a:lvl2pPr marL="457200" indent="0">
+              <a:buNone/>
+              <a:defRPr sz="1400"/>
+            </a:lvl2pPr>
+            <a:lvl3pPr marL="914400" indent="0">
+              <a:buNone/>
               <a:defRPr sz="1200"/>
-            </a:lvl1pPr>
-            <a:lvl2pPr marL="342900" indent="0">
-              <a:buNone/>
-              <a:defRPr sz="1050"/>
-            </a:lvl2pPr>
-            <a:lvl3pPr marL="685800" indent="0">
-              <a:buNone/>
-              <a:defRPr sz="900"/>
             </a:lvl3pPr>
-            <a:lvl4pPr marL="1028700" indent="0">
-              <a:buNone/>
-              <a:defRPr sz="750"/>
+            <a:lvl4pPr marL="1371600" indent="0">
+              <a:buNone/>
+              <a:defRPr sz="1000"/>
             </a:lvl4pPr>
-            <a:lvl5pPr marL="1371600" indent="0">
-              <a:buNone/>
-              <a:defRPr sz="750"/>
+            <a:lvl5pPr marL="1828800" indent="0">
+              <a:buNone/>
+              <a:defRPr sz="1000"/>
             </a:lvl5pPr>
-            <a:lvl6pPr marL="1714500" indent="0">
-              <a:buNone/>
-              <a:defRPr sz="750"/>
+            <a:lvl6pPr marL="2286000" indent="0">
+              <a:buNone/>
+              <a:defRPr sz="1000"/>
             </a:lvl6pPr>
-            <a:lvl7pPr marL="2057400" indent="0">
-              <a:buNone/>
-              <a:defRPr sz="750"/>
+            <a:lvl7pPr marL="2743200" indent="0">
+              <a:buNone/>
+              <a:defRPr sz="1000"/>
             </a:lvl7pPr>
-            <a:lvl8pPr marL="2400300" indent="0">
-              <a:buNone/>
-              <a:defRPr sz="750"/>
+            <a:lvl8pPr marL="3200400" indent="0">
+              <a:buNone/>
+              <a:defRPr sz="1000"/>
             </a:lvl8pPr>
-            <a:lvl9pPr marL="2743200" indent="0">
-              <a:buNone/>
-              <a:defRPr sz="750"/>
+            <a:lvl9pPr marL="3657600" indent="0">
+              <a:buNone/>
+              <a:defRPr sz="1000"/>
             </a:lvl9pPr>
           </a:lstStyle>
           <a:p>
@@ -2376,13 +2100,7 @@
       </p:sp>
       <p:sp>
         <p:nvSpPr>
-          <p:cNvPr id="5" name="Date Placeholder 4">
-            <a:extLst>
-              <a:ext uri="{FF2B5EF4-FFF2-40B4-BE49-F238E27FC236}">
-                <a16:creationId xmlns:a16="http://schemas.microsoft.com/office/drawing/2014/main" id="{7CCC0454-7EF6-7549-8189-7229B4EBE38E}"/>
-              </a:ext>
-            </a:extLst>
-          </p:cNvPr>
+          <p:cNvPr id="5" name="Date Placeholder 4"/>
           <p:cNvSpPr>
             <a:spLocks noGrp="1"/>
           </p:cNvSpPr>
@@ -2397,7 +2115,7 @@
           <a:p>
             <a:fld id="{F6B75C2D-8946-494C-BE2F-E2999171E32C}" type="datetimeFigureOut">
               <a:rPr lang="en-GB" smtClean="0"/>
-              <a:t>02/05/2021</a:t>
+              <a:t>03/05/2021</a:t>
             </a:fld>
             <a:endParaRPr lang="en-GB"/>
           </a:p>
@@ -2405,13 +2123,7 @@
       </p:sp>
       <p:sp>
         <p:nvSpPr>
-          <p:cNvPr id="6" name="Footer Placeholder 5">
-            <a:extLst>
-              <a:ext uri="{FF2B5EF4-FFF2-40B4-BE49-F238E27FC236}">
-                <a16:creationId xmlns:a16="http://schemas.microsoft.com/office/drawing/2014/main" id="{2849A403-E525-1C4F-BC91-3F5D340D1998}"/>
-              </a:ext>
-            </a:extLst>
-          </p:cNvPr>
+          <p:cNvPr id="6" name="Footer Placeholder 5"/>
           <p:cNvSpPr>
             <a:spLocks noGrp="1"/>
           </p:cNvSpPr>
@@ -2430,13 +2142,7 @@
       </p:sp>
       <p:sp>
         <p:nvSpPr>
-          <p:cNvPr id="7" name="Slide Number Placeholder 6">
-            <a:extLst>
-              <a:ext uri="{FF2B5EF4-FFF2-40B4-BE49-F238E27FC236}">
-                <a16:creationId xmlns:a16="http://schemas.microsoft.com/office/drawing/2014/main" id="{97E37D33-ED2A-6540-BA6A-B32101070C6B}"/>
-              </a:ext>
-            </a:extLst>
-          </p:cNvPr>
+          <p:cNvPr id="7" name="Slide Number Placeholder 6"/>
           <p:cNvSpPr>
             <a:spLocks noGrp="1"/>
           </p:cNvSpPr>
@@ -2460,7 +2166,7 @@
     </p:spTree>
     <p:extLst>
       <p:ext uri="{BB962C8B-B14F-4D97-AF65-F5344CB8AC3E}">
-        <p14:creationId xmlns:p14="http://schemas.microsoft.com/office/powerpoint/2010/main" val="1375324857"/>
+        <p14:creationId xmlns:p14="http://schemas.microsoft.com/office/powerpoint/2010/main" val="2183152644"/>
       </p:ext>
     </p:extLst>
   </p:cSld>
@@ -2489,13 +2195,7 @@
       </p:grpSpPr>
       <p:sp>
         <p:nvSpPr>
-          <p:cNvPr id="2" name="Title 1">
-            <a:extLst>
-              <a:ext uri="{FF2B5EF4-FFF2-40B4-BE49-F238E27FC236}">
-                <a16:creationId xmlns:a16="http://schemas.microsoft.com/office/drawing/2014/main" id="{8D053B79-7FE6-F14E-BECF-627BF719165B}"/>
-              </a:ext>
-            </a:extLst>
-          </p:cNvPr>
+          <p:cNvPr id="2" name="Title 1"/>
           <p:cNvSpPr>
             <a:spLocks noGrp="1"/>
           </p:cNvSpPr>
@@ -2505,15 +2205,15 @@
         </p:nvSpPr>
         <p:spPr>
           <a:xfrm>
-            <a:off x="629841" y="457200"/>
-            <a:ext cx="2949178" cy="1600200"/>
+            <a:off x="839788" y="457200"/>
+            <a:ext cx="3932237" cy="1600200"/>
           </a:xfrm>
         </p:spPr>
         <p:txBody>
           <a:bodyPr anchor="b"/>
           <a:lstStyle>
             <a:lvl1pPr>
-              <a:defRPr sz="2400"/>
+              <a:defRPr sz="3200"/>
             </a:lvl1pPr>
           </a:lstStyle>
           <a:p>
@@ -2521,20 +2221,15 @@
               <a:rPr lang="en-GB"/>
               <a:t>Click to edit Master title style</a:t>
             </a:r>
-          </a:p>
-        </p:txBody>
-      </p:sp>
-      <p:sp>
-        <p:nvSpPr>
-          <p:cNvPr id="3" name="Picture Placeholder 2">
-            <a:extLst>
-              <a:ext uri="{FF2B5EF4-FFF2-40B4-BE49-F238E27FC236}">
-                <a16:creationId xmlns:a16="http://schemas.microsoft.com/office/drawing/2014/main" id="{FA8C5E23-953C-3446-8845-59482DEA955C}"/>
-              </a:ext>
-            </a:extLst>
-          </p:cNvPr>
-          <p:cNvSpPr>
-            <a:spLocks noGrp="1"/>
+            <a:endParaRPr lang="en-US" dirty="0"/>
+          </a:p>
+        </p:txBody>
+      </p:sp>
+      <p:sp>
+        <p:nvSpPr>
+          <p:cNvPr id="3" name="Picture Placeholder 2"/>
+          <p:cNvSpPr>
+            <a:spLocks noGrp="1" noChangeAspect="1"/>
           </p:cNvSpPr>
           <p:nvPr>
             <p:ph type="pic" idx="1"/>
@@ -2542,64 +2237,62 @@
         </p:nvSpPr>
         <p:spPr>
           <a:xfrm>
-            <a:off x="3887391" y="987426"/>
-            <a:ext cx="4629150" cy="4873625"/>
+            <a:off x="5183188" y="987425"/>
+            <a:ext cx="6172200" cy="4873625"/>
           </a:xfrm>
         </p:spPr>
         <p:txBody>
-          <a:bodyPr/>
+          <a:bodyPr anchor="t"/>
           <a:lstStyle>
             <a:lvl1pPr marL="0" indent="0">
               <a:buNone/>
+              <a:defRPr sz="3200"/>
+            </a:lvl1pPr>
+            <a:lvl2pPr marL="457200" indent="0">
+              <a:buNone/>
+              <a:defRPr sz="2800"/>
+            </a:lvl2pPr>
+            <a:lvl3pPr marL="914400" indent="0">
+              <a:buNone/>
               <a:defRPr sz="2400"/>
-            </a:lvl1pPr>
-            <a:lvl2pPr marL="342900" indent="0">
-              <a:buNone/>
-              <a:defRPr sz="2100"/>
-            </a:lvl2pPr>
-            <a:lvl3pPr marL="685800" indent="0">
-              <a:buNone/>
-              <a:defRPr sz="1800"/>
             </a:lvl3pPr>
-            <a:lvl4pPr marL="1028700" indent="0">
-              <a:buNone/>
-              <a:defRPr sz="1500"/>
+            <a:lvl4pPr marL="1371600" indent="0">
+              <a:buNone/>
+              <a:defRPr sz="2000"/>
             </a:lvl4pPr>
-            <a:lvl5pPr marL="1371600" indent="0">
-              <a:buNone/>
-              <a:defRPr sz="1500"/>
+            <a:lvl5pPr marL="1828800" indent="0">
+              <a:buNone/>
+              <a:defRPr sz="2000"/>
             </a:lvl5pPr>
-            <a:lvl6pPr marL="1714500" indent="0">
-              <a:buNone/>
-              <a:defRPr sz="1500"/>
+            <a:lvl6pPr marL="2286000" indent="0">
+              <a:buNone/>
+              <a:defRPr sz="2000"/>
             </a:lvl6pPr>
-            <a:lvl7pPr marL="2057400" indent="0">
-              <a:buNone/>
-              <a:defRPr sz="1500"/>
+            <a:lvl7pPr marL="2743200" indent="0">
+              <a:buNone/>
+              <a:defRPr sz="2000"/>
             </a:lvl7pPr>
-            <a:lvl8pPr marL="2400300" indent="0">
-              <a:buNone/>
-              <a:defRPr sz="1500"/>
+            <a:lvl8pPr marL="3200400" indent="0">
+              <a:buNone/>
+              <a:defRPr sz="2000"/>
             </a:lvl8pPr>
-            <a:lvl9pPr marL="2743200" indent="0">
-              <a:buNone/>
-              <a:defRPr sz="1500"/>
+            <a:lvl9pPr marL="3657600" indent="0">
+              <a:buNone/>
+              <a:defRPr sz="2000"/>
             </a:lvl9pPr>
           </a:lstStyle>
           <a:p>
-            <a:endParaRPr lang="en-GB"/>
-          </a:p>
-        </p:txBody>
-      </p:sp>
-      <p:sp>
-        <p:nvSpPr>
-          <p:cNvPr id="4" name="Text Placeholder 3">
-            <a:extLst>
-              <a:ext uri="{FF2B5EF4-FFF2-40B4-BE49-F238E27FC236}">
-                <a16:creationId xmlns:a16="http://schemas.microsoft.com/office/drawing/2014/main" id="{C39FBCB2-5FC1-0D4F-880B-80AAAB6F8976}"/>
-              </a:ext>
-            </a:extLst>
-          </p:cNvPr>
+            <a:r>
+              <a:rPr lang="en-GB"/>
+              <a:t>Click icon to add picture</a:t>
+            </a:r>
+            <a:endParaRPr lang="en-US" dirty="0"/>
+          </a:p>
+        </p:txBody>
+      </p:sp>
+      <p:sp>
+        <p:nvSpPr>
+          <p:cNvPr id="4" name="Text Placeholder 3"/>
           <p:cNvSpPr>
             <a:spLocks noGrp="1"/>
           </p:cNvSpPr>
@@ -2609,8 +2302,8 @@
         </p:nvSpPr>
         <p:spPr>
           <a:xfrm>
-            <a:off x="629841" y="2057400"/>
-            <a:ext cx="2949178" cy="3811588"/>
+            <a:off x="839788" y="2057400"/>
+            <a:ext cx="3932237" cy="3811588"/>
           </a:xfrm>
         </p:spPr>
         <p:txBody>
@@ -2618,39 +2311,39 @@
           <a:lstStyle>
             <a:lvl1pPr marL="0" indent="0">
               <a:buNone/>
+              <a:defRPr sz="1600"/>
+            </a:lvl1pPr>
+            <a:lvl2pPr marL="457200" indent="0">
+              <a:buNone/>
+              <a:defRPr sz="1400"/>
+            </a:lvl2pPr>
+            <a:lvl3pPr marL="914400" indent="0">
+              <a:buNone/>
               <a:defRPr sz="1200"/>
-            </a:lvl1pPr>
-            <a:lvl2pPr marL="342900" indent="0">
-              <a:buNone/>
-              <a:defRPr sz="1050"/>
-            </a:lvl2pPr>
-            <a:lvl3pPr marL="685800" indent="0">
-              <a:buNone/>
-              <a:defRPr sz="900"/>
             </a:lvl3pPr>
-            <a:lvl4pPr marL="1028700" indent="0">
-              <a:buNone/>
-              <a:defRPr sz="750"/>
+            <a:lvl4pPr marL="1371600" indent="0">
+              <a:buNone/>
+              <a:defRPr sz="1000"/>
             </a:lvl4pPr>
-            <a:lvl5pPr marL="1371600" indent="0">
-              <a:buNone/>
-              <a:defRPr sz="750"/>
+            <a:lvl5pPr marL="1828800" indent="0">
+              <a:buNone/>
+              <a:defRPr sz="1000"/>
             </a:lvl5pPr>
-            <a:lvl6pPr marL="1714500" indent="0">
-              <a:buNone/>
-              <a:defRPr sz="750"/>
+            <a:lvl6pPr marL="2286000" indent="0">
+              <a:buNone/>
+              <a:defRPr sz="1000"/>
             </a:lvl6pPr>
-            <a:lvl7pPr marL="2057400" indent="0">
-              <a:buNone/>
-              <a:defRPr sz="750"/>
+            <a:lvl7pPr marL="2743200" indent="0">
+              <a:buNone/>
+              <a:defRPr sz="1000"/>
             </a:lvl7pPr>
-            <a:lvl8pPr marL="2400300" indent="0">
-              <a:buNone/>
-              <a:defRPr sz="750"/>
+            <a:lvl8pPr marL="3200400" indent="0">
+              <a:buNone/>
+              <a:defRPr sz="1000"/>
             </a:lvl8pPr>
-            <a:lvl9pPr marL="2743200" indent="0">
-              <a:buNone/>
-              <a:defRPr sz="750"/>
+            <a:lvl9pPr marL="3657600" indent="0">
+              <a:buNone/>
+              <a:defRPr sz="1000"/>
             </a:lvl9pPr>
           </a:lstStyle>
           <a:p>
@@ -2664,13 +2357,7 @@
       </p:sp>
       <p:sp>
         <p:nvSpPr>
-          <p:cNvPr id="5" name="Date Placeholder 4">
-            <a:extLst>
-              <a:ext uri="{FF2B5EF4-FFF2-40B4-BE49-F238E27FC236}">
-                <a16:creationId xmlns:a16="http://schemas.microsoft.com/office/drawing/2014/main" id="{9208D80B-8A71-BE48-BC14-C4917C13C816}"/>
-              </a:ext>
-            </a:extLst>
-          </p:cNvPr>
+          <p:cNvPr id="5" name="Date Placeholder 4"/>
           <p:cNvSpPr>
             <a:spLocks noGrp="1"/>
           </p:cNvSpPr>
@@ -2685,7 +2372,7 @@
           <a:p>
             <a:fld id="{F6B75C2D-8946-494C-BE2F-E2999171E32C}" type="datetimeFigureOut">
               <a:rPr lang="en-GB" smtClean="0"/>
-              <a:t>02/05/2021</a:t>
+              <a:t>03/05/2021</a:t>
             </a:fld>
             <a:endParaRPr lang="en-GB"/>
           </a:p>
@@ -2693,13 +2380,7 @@
       </p:sp>
       <p:sp>
         <p:nvSpPr>
-          <p:cNvPr id="6" name="Footer Placeholder 5">
-            <a:extLst>
-              <a:ext uri="{FF2B5EF4-FFF2-40B4-BE49-F238E27FC236}">
-                <a16:creationId xmlns:a16="http://schemas.microsoft.com/office/drawing/2014/main" id="{503BB0B9-8ED7-B24F-8BBB-9972018F6751}"/>
-              </a:ext>
-            </a:extLst>
-          </p:cNvPr>
+          <p:cNvPr id="6" name="Footer Placeholder 5"/>
           <p:cNvSpPr>
             <a:spLocks noGrp="1"/>
           </p:cNvSpPr>
@@ -2718,13 +2399,7 @@
       </p:sp>
       <p:sp>
         <p:nvSpPr>
-          <p:cNvPr id="7" name="Slide Number Placeholder 6">
-            <a:extLst>
-              <a:ext uri="{FF2B5EF4-FFF2-40B4-BE49-F238E27FC236}">
-                <a16:creationId xmlns:a16="http://schemas.microsoft.com/office/drawing/2014/main" id="{E759F416-918D-8748-9D52-9F7F4CE05581}"/>
-              </a:ext>
-            </a:extLst>
-          </p:cNvPr>
+          <p:cNvPr id="7" name="Slide Number Placeholder 6"/>
           <p:cNvSpPr>
             <a:spLocks noGrp="1"/>
           </p:cNvSpPr>
@@ -2748,7 +2423,7 @@
     </p:spTree>
     <p:extLst>
       <p:ext uri="{BB962C8B-B14F-4D97-AF65-F5344CB8AC3E}">
-        <p14:creationId xmlns:p14="http://schemas.microsoft.com/office/powerpoint/2010/main" val="707979294"/>
+        <p14:creationId xmlns:p14="http://schemas.microsoft.com/office/powerpoint/2010/main" val="2732215958"/>
       </p:ext>
     </p:extLst>
   </p:cSld>
@@ -2782,13 +2457,7 @@
       </p:grpSpPr>
       <p:sp>
         <p:nvSpPr>
-          <p:cNvPr id="2" name="Title Placeholder 1">
-            <a:extLst>
-              <a:ext uri="{FF2B5EF4-FFF2-40B4-BE49-F238E27FC236}">
-                <a16:creationId xmlns:a16="http://schemas.microsoft.com/office/drawing/2014/main" id="{38110B34-E41E-B640-88A0-6293807F84E6}"/>
-              </a:ext>
-            </a:extLst>
-          </p:cNvPr>
+          <p:cNvPr id="2" name="Title Placeholder 1"/>
           <p:cNvSpPr>
             <a:spLocks noGrp="1"/>
           </p:cNvSpPr>
@@ -2798,8 +2467,8 @@
         </p:nvSpPr>
         <p:spPr>
           <a:xfrm>
-            <a:off x="628650" y="365126"/>
-            <a:ext cx="7886700" cy="1325563"/>
+            <a:off x="838200" y="365125"/>
+            <a:ext cx="10515600" cy="1325563"/>
           </a:xfrm>
           <a:prstGeom prst="rect">
             <a:avLst/>
@@ -2815,18 +2484,13 @@
               <a:rPr lang="en-GB"/>
               <a:t>Click to edit Master title style</a:t>
             </a:r>
-          </a:p>
-        </p:txBody>
-      </p:sp>
-      <p:sp>
-        <p:nvSpPr>
-          <p:cNvPr id="3" name="Text Placeholder 2">
-            <a:extLst>
-              <a:ext uri="{FF2B5EF4-FFF2-40B4-BE49-F238E27FC236}">
-                <a16:creationId xmlns:a16="http://schemas.microsoft.com/office/drawing/2014/main" id="{A418F8CC-6A33-E044-A813-A1392FB35E43}"/>
-              </a:ext>
-            </a:extLst>
-          </p:cNvPr>
+            <a:endParaRPr lang="en-US" dirty="0"/>
+          </a:p>
+        </p:txBody>
+      </p:sp>
+      <p:sp>
+        <p:nvSpPr>
+          <p:cNvPr id="3" name="Text Placeholder 2"/>
           <p:cNvSpPr>
             <a:spLocks noGrp="1"/>
           </p:cNvSpPr>
@@ -2836,8 +2500,8 @@
         </p:nvSpPr>
         <p:spPr>
           <a:xfrm>
-            <a:off x="628650" y="1825625"/>
-            <a:ext cx="7886700" cy="4351338"/>
+            <a:off x="838200" y="1825625"/>
+            <a:ext cx="10515600" cy="4351338"/>
           </a:xfrm>
           <a:prstGeom prst="rect">
             <a:avLst/>
@@ -2882,18 +2546,13 @@
               <a:rPr lang="en-GB"/>
               <a:t>Fifth level</a:t>
             </a:r>
-          </a:p>
-        </p:txBody>
-      </p:sp>
-      <p:sp>
-        <p:nvSpPr>
-          <p:cNvPr id="4" name="Date Placeholder 3">
-            <a:extLst>
-              <a:ext uri="{FF2B5EF4-FFF2-40B4-BE49-F238E27FC236}">
-                <a16:creationId xmlns:a16="http://schemas.microsoft.com/office/drawing/2014/main" id="{7F5B398C-D48E-4B4E-8BE6-06A373B877C2}"/>
-              </a:ext>
-            </a:extLst>
-          </p:cNvPr>
+            <a:endParaRPr lang="en-US" dirty="0"/>
+          </a:p>
+        </p:txBody>
+      </p:sp>
+      <p:sp>
+        <p:nvSpPr>
+          <p:cNvPr id="4" name="Date Placeholder 3"/>
           <p:cNvSpPr>
             <a:spLocks noGrp="1"/>
           </p:cNvSpPr>
@@ -2903,8 +2562,8 @@
         </p:nvSpPr>
         <p:spPr>
           <a:xfrm>
-            <a:off x="628650" y="6356351"/>
-            <a:ext cx="2057400" cy="365125"/>
+            <a:off x="838200" y="6356350"/>
+            <a:ext cx="2743200" cy="365125"/>
           </a:xfrm>
           <a:prstGeom prst="rect">
             <a:avLst/>
@@ -2914,7 +2573,7 @@
           <a:bodyPr vert="horz" lIns="91440" tIns="45720" rIns="91440" bIns="45720" rtlCol="0" anchor="ctr"/>
           <a:lstStyle>
             <a:lvl1pPr algn="l">
-              <a:defRPr sz="900">
+              <a:defRPr sz="1200">
                 <a:solidFill>
                   <a:schemeClr val="tx1">
                     <a:tint val="75000"/>
@@ -2926,7 +2585,7 @@
           <a:p>
             <a:fld id="{F6B75C2D-8946-494C-BE2F-E2999171E32C}" type="datetimeFigureOut">
               <a:rPr lang="en-GB" smtClean="0"/>
-              <a:t>02/05/2021</a:t>
+              <a:t>03/05/2021</a:t>
             </a:fld>
             <a:endParaRPr lang="en-GB"/>
           </a:p>
@@ -2934,13 +2593,7 @@
       </p:sp>
       <p:sp>
         <p:nvSpPr>
-          <p:cNvPr id="5" name="Footer Placeholder 4">
-            <a:extLst>
-              <a:ext uri="{FF2B5EF4-FFF2-40B4-BE49-F238E27FC236}">
-                <a16:creationId xmlns:a16="http://schemas.microsoft.com/office/drawing/2014/main" id="{E5D1BDA0-3049-6342-9C54-E88462F5F881}"/>
-              </a:ext>
-            </a:extLst>
-          </p:cNvPr>
+          <p:cNvPr id="5" name="Footer Placeholder 4"/>
           <p:cNvSpPr>
             <a:spLocks noGrp="1"/>
           </p:cNvSpPr>
@@ -2950,8 +2603,8 @@
         </p:nvSpPr>
         <p:spPr>
           <a:xfrm>
-            <a:off x="3028950" y="6356351"/>
-            <a:ext cx="3086100" cy="365125"/>
+            <a:off x="4038600" y="6356350"/>
+            <a:ext cx="4114800" cy="365125"/>
           </a:xfrm>
           <a:prstGeom prst="rect">
             <a:avLst/>
@@ -2961,7 +2614,7 @@
           <a:bodyPr vert="horz" lIns="91440" tIns="45720" rIns="91440" bIns="45720" rtlCol="0" anchor="ctr"/>
           <a:lstStyle>
             <a:lvl1pPr algn="ctr">
-              <a:defRPr sz="900">
+              <a:defRPr sz="1200">
                 <a:solidFill>
                   <a:schemeClr val="tx1">
                     <a:tint val="75000"/>
@@ -2977,13 +2630,7 @@
       </p:sp>
       <p:sp>
         <p:nvSpPr>
-          <p:cNvPr id="6" name="Slide Number Placeholder 5">
-            <a:extLst>
-              <a:ext uri="{FF2B5EF4-FFF2-40B4-BE49-F238E27FC236}">
-                <a16:creationId xmlns:a16="http://schemas.microsoft.com/office/drawing/2014/main" id="{D37221C0-6EB2-C042-8F2F-DD4218DDF58A}"/>
-              </a:ext>
-            </a:extLst>
-          </p:cNvPr>
+          <p:cNvPr id="6" name="Slide Number Placeholder 5"/>
           <p:cNvSpPr>
             <a:spLocks noGrp="1"/>
           </p:cNvSpPr>
@@ -2993,8 +2640,8 @@
         </p:nvSpPr>
         <p:spPr>
           <a:xfrm>
-            <a:off x="6457950" y="6356351"/>
-            <a:ext cx="2057400" cy="365125"/>
+            <a:off x="8610600" y="6356350"/>
+            <a:ext cx="2743200" cy="365125"/>
           </a:xfrm>
           <a:prstGeom prst="rect">
             <a:avLst/>
@@ -3004,7 +2651,7 @@
           <a:bodyPr vert="horz" lIns="91440" tIns="45720" rIns="91440" bIns="45720" rtlCol="0" anchor="ctr"/>
           <a:lstStyle>
             <a:lvl1pPr algn="r">
-              <a:defRPr sz="900">
+              <a:defRPr sz="1200">
                 <a:solidFill>
                   <a:schemeClr val="tx1">
                     <a:tint val="75000"/>
@@ -3025,27 +2672,27 @@
     </p:spTree>
     <p:extLst>
       <p:ext uri="{BB962C8B-B14F-4D97-AF65-F5344CB8AC3E}">
-        <p14:creationId xmlns:p14="http://schemas.microsoft.com/office/powerpoint/2010/main" val="655759355"/>
+        <p14:creationId xmlns:p14="http://schemas.microsoft.com/office/powerpoint/2010/main" val="2126476694"/>
       </p:ext>
     </p:extLst>
   </p:cSld>
   <p:clrMap bg1="lt1" tx1="dk1" bg2="lt2" tx2="dk2" accent1="accent1" accent2="accent2" accent3="accent3" accent4="accent4" accent5="accent5" accent6="accent6" hlink="hlink" folHlink="folHlink"/>
   <p:sldLayoutIdLst>
-    <p:sldLayoutId id="2147483757" r:id="rId1"/>
-    <p:sldLayoutId id="2147483758" r:id="rId2"/>
-    <p:sldLayoutId id="2147483759" r:id="rId3"/>
-    <p:sldLayoutId id="2147483760" r:id="rId4"/>
-    <p:sldLayoutId id="2147483761" r:id="rId5"/>
-    <p:sldLayoutId id="2147483762" r:id="rId6"/>
-    <p:sldLayoutId id="2147483763" r:id="rId7"/>
-    <p:sldLayoutId id="2147483764" r:id="rId8"/>
-    <p:sldLayoutId id="2147483765" r:id="rId9"/>
-    <p:sldLayoutId id="2147483766" r:id="rId10"/>
-    <p:sldLayoutId id="2147483767" r:id="rId11"/>
+    <p:sldLayoutId id="2147483769" r:id="rId1"/>
+    <p:sldLayoutId id="2147483770" r:id="rId2"/>
+    <p:sldLayoutId id="2147483771" r:id="rId3"/>
+    <p:sldLayoutId id="2147483772" r:id="rId4"/>
+    <p:sldLayoutId id="2147483773" r:id="rId5"/>
+    <p:sldLayoutId id="2147483774" r:id="rId6"/>
+    <p:sldLayoutId id="2147483775" r:id="rId7"/>
+    <p:sldLayoutId id="2147483776" r:id="rId8"/>
+    <p:sldLayoutId id="2147483777" r:id="rId9"/>
+    <p:sldLayoutId id="2147483778" r:id="rId10"/>
+    <p:sldLayoutId id="2147483779" r:id="rId11"/>
   </p:sldLayoutIdLst>
   <p:txStyles>
     <p:titleStyle>
-      <a:lvl1pPr algn="l" defTabSz="685800" rtl="0" eaLnBrk="1" latinLnBrk="0" hangingPunct="1">
+      <a:lvl1pPr algn="l" defTabSz="914400" rtl="0" eaLnBrk="1" latinLnBrk="0" hangingPunct="1">
         <a:lnSpc>
           <a:spcPct val="90000"/>
         </a:lnSpc>
@@ -3053,7 +2700,7 @@
           <a:spcPct val="0"/>
         </a:spcBef>
         <a:buNone/>
-        <a:defRPr sz="3300" kern="1200">
+        <a:defRPr sz="4400" kern="1200">
           <a:solidFill>
             <a:schemeClr val="tx1"/>
           </a:solidFill>
@@ -3064,16 +2711,16 @@
       </a:lvl1pPr>
     </p:titleStyle>
     <p:bodyStyle>
-      <a:lvl1pPr marL="171450" indent="-171450" algn="l" defTabSz="685800" rtl="0" eaLnBrk="1" latinLnBrk="0" hangingPunct="1">
+      <a:lvl1pPr marL="228600" indent="-228600" algn="l" defTabSz="914400" rtl="0" eaLnBrk="1" latinLnBrk="0" hangingPunct="1">
         <a:lnSpc>
           <a:spcPct val="90000"/>
         </a:lnSpc>
         <a:spcBef>
-          <a:spcPts val="750"/>
+          <a:spcPts val="1000"/>
         </a:spcBef>
         <a:buFont typeface="Arial" panose="020B0604020202020204" pitchFamily="34" charset="0"/>
         <a:buChar char="•"/>
-        <a:defRPr sz="2100" kern="1200">
+        <a:defRPr sz="2800" kern="1200">
           <a:solidFill>
             <a:schemeClr val="tx1"/>
           </a:solidFill>
@@ -3082,12 +2729,48 @@
           <a:cs typeface="+mn-cs"/>
         </a:defRPr>
       </a:lvl1pPr>
-      <a:lvl2pPr marL="514350" indent="-171450" algn="l" defTabSz="685800" rtl="0" eaLnBrk="1" latinLnBrk="0" hangingPunct="1">
+      <a:lvl2pPr marL="685800" indent="-228600" algn="l" defTabSz="914400" rtl="0" eaLnBrk="1" latinLnBrk="0" hangingPunct="1">
         <a:lnSpc>
           <a:spcPct val="90000"/>
         </a:lnSpc>
         <a:spcBef>
-          <a:spcPts val="375"/>
+          <a:spcPts val="500"/>
+        </a:spcBef>
+        <a:buFont typeface="Arial" panose="020B0604020202020204" pitchFamily="34" charset="0"/>
+        <a:buChar char="•"/>
+        <a:defRPr sz="2400" kern="1200">
+          <a:solidFill>
+            <a:schemeClr val="tx1"/>
+          </a:solidFill>
+          <a:latin typeface="+mn-lt"/>
+          <a:ea typeface="+mn-ea"/>
+          <a:cs typeface="+mn-cs"/>
+        </a:defRPr>
+      </a:lvl2pPr>
+      <a:lvl3pPr marL="1143000" indent="-228600" algn="l" defTabSz="914400" rtl="0" eaLnBrk="1" latinLnBrk="0" hangingPunct="1">
+        <a:lnSpc>
+          <a:spcPct val="90000"/>
+        </a:lnSpc>
+        <a:spcBef>
+          <a:spcPts val="500"/>
+        </a:spcBef>
+        <a:buFont typeface="Arial" panose="020B0604020202020204" pitchFamily="34" charset="0"/>
+        <a:buChar char="•"/>
+        <a:defRPr sz="2000" kern="1200">
+          <a:solidFill>
+            <a:schemeClr val="tx1"/>
+          </a:solidFill>
+          <a:latin typeface="+mn-lt"/>
+          <a:ea typeface="+mn-ea"/>
+          <a:cs typeface="+mn-cs"/>
+        </a:defRPr>
+      </a:lvl3pPr>
+      <a:lvl4pPr marL="1600200" indent="-228600" algn="l" defTabSz="914400" rtl="0" eaLnBrk="1" latinLnBrk="0" hangingPunct="1">
+        <a:lnSpc>
+          <a:spcPct val="90000"/>
+        </a:lnSpc>
+        <a:spcBef>
+          <a:spcPts val="500"/>
         </a:spcBef>
         <a:buFont typeface="Arial" panose="020B0604020202020204" pitchFamily="34" charset="0"/>
         <a:buChar char="•"/>
@@ -3099,53 +2782,17 @@
           <a:ea typeface="+mn-ea"/>
           <a:cs typeface="+mn-cs"/>
         </a:defRPr>
-      </a:lvl2pPr>
-      <a:lvl3pPr marL="857250" indent="-171450" algn="l" defTabSz="685800" rtl="0" eaLnBrk="1" latinLnBrk="0" hangingPunct="1">
+      </a:lvl4pPr>
+      <a:lvl5pPr marL="2057400" indent="-228600" algn="l" defTabSz="914400" rtl="0" eaLnBrk="1" latinLnBrk="0" hangingPunct="1">
         <a:lnSpc>
           <a:spcPct val="90000"/>
         </a:lnSpc>
         <a:spcBef>
-          <a:spcPts val="375"/>
+          <a:spcPts val="500"/>
         </a:spcBef>
         <a:buFont typeface="Arial" panose="020B0604020202020204" pitchFamily="34" charset="0"/>
         <a:buChar char="•"/>
-        <a:defRPr sz="1500" kern="1200">
-          <a:solidFill>
-            <a:schemeClr val="tx1"/>
-          </a:solidFill>
-          <a:latin typeface="+mn-lt"/>
-          <a:ea typeface="+mn-ea"/>
-          <a:cs typeface="+mn-cs"/>
-        </a:defRPr>
-      </a:lvl3pPr>
-      <a:lvl4pPr marL="1200150" indent="-171450" algn="l" defTabSz="685800" rtl="0" eaLnBrk="1" latinLnBrk="0" hangingPunct="1">
-        <a:lnSpc>
-          <a:spcPct val="90000"/>
-        </a:lnSpc>
-        <a:spcBef>
-          <a:spcPts val="375"/>
-        </a:spcBef>
-        <a:buFont typeface="Arial" panose="020B0604020202020204" pitchFamily="34" charset="0"/>
-        <a:buChar char="•"/>
-        <a:defRPr sz="1350" kern="1200">
-          <a:solidFill>
-            <a:schemeClr val="tx1"/>
-          </a:solidFill>
-          <a:latin typeface="+mn-lt"/>
-          <a:ea typeface="+mn-ea"/>
-          <a:cs typeface="+mn-cs"/>
-        </a:defRPr>
-      </a:lvl4pPr>
-      <a:lvl5pPr marL="1543050" indent="-171450" algn="l" defTabSz="685800" rtl="0" eaLnBrk="1" latinLnBrk="0" hangingPunct="1">
-        <a:lnSpc>
-          <a:spcPct val="90000"/>
-        </a:lnSpc>
-        <a:spcBef>
-          <a:spcPts val="375"/>
-        </a:spcBef>
-        <a:buFont typeface="Arial" panose="020B0604020202020204" pitchFamily="34" charset="0"/>
-        <a:buChar char="•"/>
-        <a:defRPr sz="1350" kern="1200">
+        <a:defRPr sz="1800" kern="1200">
           <a:solidFill>
             <a:schemeClr val="tx1"/>
           </a:solidFill>
@@ -3154,16 +2801,16 @@
           <a:cs typeface="+mn-cs"/>
         </a:defRPr>
       </a:lvl5pPr>
-      <a:lvl6pPr marL="1885950" indent="-171450" algn="l" defTabSz="685800" rtl="0" eaLnBrk="1" latinLnBrk="0" hangingPunct="1">
+      <a:lvl6pPr marL="2514600" indent="-228600" algn="l" defTabSz="914400" rtl="0" eaLnBrk="1" latinLnBrk="0" hangingPunct="1">
         <a:lnSpc>
           <a:spcPct val="90000"/>
         </a:lnSpc>
         <a:spcBef>
-          <a:spcPts val="375"/>
+          <a:spcPts val="500"/>
         </a:spcBef>
         <a:buFont typeface="Arial" panose="020B0604020202020204" pitchFamily="34" charset="0"/>
         <a:buChar char="•"/>
-        <a:defRPr sz="1350" kern="1200">
+        <a:defRPr sz="1800" kern="1200">
           <a:solidFill>
             <a:schemeClr val="tx1"/>
           </a:solidFill>
@@ -3172,16 +2819,16 @@
           <a:cs typeface="+mn-cs"/>
         </a:defRPr>
       </a:lvl6pPr>
-      <a:lvl7pPr marL="2228850" indent="-171450" algn="l" defTabSz="685800" rtl="0" eaLnBrk="1" latinLnBrk="0" hangingPunct="1">
+      <a:lvl7pPr marL="2971800" indent="-228600" algn="l" defTabSz="914400" rtl="0" eaLnBrk="1" latinLnBrk="0" hangingPunct="1">
         <a:lnSpc>
           <a:spcPct val="90000"/>
         </a:lnSpc>
         <a:spcBef>
-          <a:spcPts val="375"/>
+          <a:spcPts val="500"/>
         </a:spcBef>
         <a:buFont typeface="Arial" panose="020B0604020202020204" pitchFamily="34" charset="0"/>
         <a:buChar char="•"/>
-        <a:defRPr sz="1350" kern="1200">
+        <a:defRPr sz="1800" kern="1200">
           <a:solidFill>
             <a:schemeClr val="tx1"/>
           </a:solidFill>
@@ -3190,16 +2837,16 @@
           <a:cs typeface="+mn-cs"/>
         </a:defRPr>
       </a:lvl7pPr>
-      <a:lvl8pPr marL="2571750" indent="-171450" algn="l" defTabSz="685800" rtl="0" eaLnBrk="1" latinLnBrk="0" hangingPunct="1">
+      <a:lvl8pPr marL="3429000" indent="-228600" algn="l" defTabSz="914400" rtl="0" eaLnBrk="1" latinLnBrk="0" hangingPunct="1">
         <a:lnSpc>
           <a:spcPct val="90000"/>
         </a:lnSpc>
         <a:spcBef>
-          <a:spcPts val="375"/>
+          <a:spcPts val="500"/>
         </a:spcBef>
         <a:buFont typeface="Arial" panose="020B0604020202020204" pitchFamily="34" charset="0"/>
         <a:buChar char="•"/>
-        <a:defRPr sz="1350" kern="1200">
+        <a:defRPr sz="1800" kern="1200">
           <a:solidFill>
             <a:schemeClr val="tx1"/>
           </a:solidFill>
@@ -3208,16 +2855,16 @@
           <a:cs typeface="+mn-cs"/>
         </a:defRPr>
       </a:lvl8pPr>
-      <a:lvl9pPr marL="2914650" indent="-171450" algn="l" defTabSz="685800" rtl="0" eaLnBrk="1" latinLnBrk="0" hangingPunct="1">
+      <a:lvl9pPr marL="3886200" indent="-228600" algn="l" defTabSz="914400" rtl="0" eaLnBrk="1" latinLnBrk="0" hangingPunct="1">
         <a:lnSpc>
           <a:spcPct val="90000"/>
         </a:lnSpc>
         <a:spcBef>
-          <a:spcPts val="375"/>
+          <a:spcPts val="500"/>
         </a:spcBef>
         <a:buFont typeface="Arial" panose="020B0604020202020204" pitchFamily="34" charset="0"/>
         <a:buChar char="•"/>
-        <a:defRPr sz="1350" kern="1200">
+        <a:defRPr sz="1800" kern="1200">
           <a:solidFill>
             <a:schemeClr val="tx1"/>
           </a:solidFill>
@@ -3229,10 +2876,10 @@
     </p:bodyStyle>
     <p:otherStyle>
       <a:defPPr>
-        <a:defRPr lang="en-NO"/>
+        <a:defRPr lang="en-US"/>
       </a:defPPr>
-      <a:lvl1pPr marL="0" algn="l" defTabSz="685800" rtl="0" eaLnBrk="1" latinLnBrk="0" hangingPunct="1">
-        <a:defRPr sz="1350" kern="1200">
+      <a:lvl1pPr marL="0" algn="l" defTabSz="914400" rtl="0" eaLnBrk="1" latinLnBrk="0" hangingPunct="1">
+        <a:defRPr sz="1800" kern="1200">
           <a:solidFill>
             <a:schemeClr val="tx1"/>
           </a:solidFill>
@@ -3241,8 +2888,8 @@
           <a:cs typeface="+mn-cs"/>
         </a:defRPr>
       </a:lvl1pPr>
-      <a:lvl2pPr marL="342900" algn="l" defTabSz="685800" rtl="0" eaLnBrk="1" latinLnBrk="0" hangingPunct="1">
-        <a:defRPr sz="1350" kern="1200">
+      <a:lvl2pPr marL="457200" algn="l" defTabSz="914400" rtl="0" eaLnBrk="1" latinLnBrk="0" hangingPunct="1">
+        <a:defRPr sz="1800" kern="1200">
           <a:solidFill>
             <a:schemeClr val="tx1"/>
           </a:solidFill>
@@ -3251,8 +2898,8 @@
           <a:cs typeface="+mn-cs"/>
         </a:defRPr>
       </a:lvl2pPr>
-      <a:lvl3pPr marL="685800" algn="l" defTabSz="685800" rtl="0" eaLnBrk="1" latinLnBrk="0" hangingPunct="1">
-        <a:defRPr sz="1350" kern="1200">
+      <a:lvl3pPr marL="914400" algn="l" defTabSz="914400" rtl="0" eaLnBrk="1" latinLnBrk="0" hangingPunct="1">
+        <a:defRPr sz="1800" kern="1200">
           <a:solidFill>
             <a:schemeClr val="tx1"/>
           </a:solidFill>
@@ -3261,8 +2908,8 @@
           <a:cs typeface="+mn-cs"/>
         </a:defRPr>
       </a:lvl3pPr>
-      <a:lvl4pPr marL="1028700" algn="l" defTabSz="685800" rtl="0" eaLnBrk="1" latinLnBrk="0" hangingPunct="1">
-        <a:defRPr sz="1350" kern="1200">
+      <a:lvl4pPr marL="1371600" algn="l" defTabSz="914400" rtl="0" eaLnBrk="1" latinLnBrk="0" hangingPunct="1">
+        <a:defRPr sz="1800" kern="1200">
           <a:solidFill>
             <a:schemeClr val="tx1"/>
           </a:solidFill>
@@ -3271,8 +2918,8 @@
           <a:cs typeface="+mn-cs"/>
         </a:defRPr>
       </a:lvl4pPr>
-      <a:lvl5pPr marL="1371600" algn="l" defTabSz="685800" rtl="0" eaLnBrk="1" latinLnBrk="0" hangingPunct="1">
-        <a:defRPr sz="1350" kern="1200">
+      <a:lvl5pPr marL="1828800" algn="l" defTabSz="914400" rtl="0" eaLnBrk="1" latinLnBrk="0" hangingPunct="1">
+        <a:defRPr sz="1800" kern="1200">
           <a:solidFill>
             <a:schemeClr val="tx1"/>
           </a:solidFill>
@@ -3281,8 +2928,8 @@
           <a:cs typeface="+mn-cs"/>
         </a:defRPr>
       </a:lvl5pPr>
-      <a:lvl6pPr marL="1714500" algn="l" defTabSz="685800" rtl="0" eaLnBrk="1" latinLnBrk="0" hangingPunct="1">
-        <a:defRPr sz="1350" kern="1200">
+      <a:lvl6pPr marL="2286000" algn="l" defTabSz="914400" rtl="0" eaLnBrk="1" latinLnBrk="0" hangingPunct="1">
+        <a:defRPr sz="1800" kern="1200">
           <a:solidFill>
             <a:schemeClr val="tx1"/>
           </a:solidFill>
@@ -3291,8 +2938,8 @@
           <a:cs typeface="+mn-cs"/>
         </a:defRPr>
       </a:lvl6pPr>
-      <a:lvl7pPr marL="2057400" algn="l" defTabSz="685800" rtl="0" eaLnBrk="1" latinLnBrk="0" hangingPunct="1">
-        <a:defRPr sz="1350" kern="1200">
+      <a:lvl7pPr marL="2743200" algn="l" defTabSz="914400" rtl="0" eaLnBrk="1" latinLnBrk="0" hangingPunct="1">
+        <a:defRPr sz="1800" kern="1200">
           <a:solidFill>
             <a:schemeClr val="tx1"/>
           </a:solidFill>
@@ -3301,8 +2948,8 @@
           <a:cs typeface="+mn-cs"/>
         </a:defRPr>
       </a:lvl7pPr>
-      <a:lvl8pPr marL="2400300" algn="l" defTabSz="685800" rtl="0" eaLnBrk="1" latinLnBrk="0" hangingPunct="1">
-        <a:defRPr sz="1350" kern="1200">
+      <a:lvl8pPr marL="3200400" algn="l" defTabSz="914400" rtl="0" eaLnBrk="1" latinLnBrk="0" hangingPunct="1">
+        <a:defRPr sz="1800" kern="1200">
           <a:solidFill>
             <a:schemeClr val="tx1"/>
           </a:solidFill>
@@ -3311,8 +2958,8 @@
           <a:cs typeface="+mn-cs"/>
         </a:defRPr>
       </a:lvl8pPr>
-      <a:lvl9pPr marL="2743200" algn="l" defTabSz="685800" rtl="0" eaLnBrk="1" latinLnBrk="0" hangingPunct="1">
-        <a:defRPr sz="1350" kern="1200">
+      <a:lvl9pPr marL="3657600" algn="l" defTabSz="914400" rtl="0" eaLnBrk="1" latinLnBrk="0" hangingPunct="1">
+        <a:defRPr sz="1800" kern="1200">
           <a:solidFill>
             <a:schemeClr val="tx1"/>
           </a:solidFill>
@@ -3530,7 +3177,7 @@
         </p:blipFill>
         <p:spPr>
           <a:xfrm>
-            <a:off x="628650" y="1825625"/>
+            <a:off x="2152650" y="1825625"/>
             <a:ext cx="7886700" cy="4021036"/>
           </a:xfrm>
           <a:prstGeom prst="rect">
@@ -3552,7 +3199,7 @@
         </p:nvSpPr>
         <p:spPr>
           <a:xfrm>
-            <a:off x="5447131" y="3887821"/>
+            <a:off x="6971132" y="3887821"/>
             <a:ext cx="3347455" cy="369332"/>
           </a:xfrm>
           <a:prstGeom prst="rect">
@@ -3601,7 +3248,7 @@
         </p:nvSpPr>
         <p:spPr>
           <a:xfrm>
-            <a:off x="1099251" y="3333823"/>
+            <a:off x="2623251" y="3333824"/>
             <a:ext cx="3817648" cy="1200329"/>
           </a:xfrm>
           <a:prstGeom prst="rect">
@@ -3683,7 +3330,7 @@
         </p:nvSpPr>
         <p:spPr>
           <a:xfrm>
-            <a:off x="1251651" y="5715298"/>
+            <a:off x="2775651" y="5715298"/>
             <a:ext cx="2511906" cy="369332"/>
           </a:xfrm>
           <a:prstGeom prst="rect">
@@ -3795,7 +3442,7 @@
         </p:blipFill>
         <p:spPr>
           <a:xfrm>
-            <a:off x="628650" y="1864535"/>
+            <a:off x="2152651" y="1864535"/>
             <a:ext cx="4757015" cy="3660776"/>
           </a:xfrm>
         </p:spPr>
@@ -3814,7 +3461,7 @@
         </p:nvSpPr>
         <p:spPr>
           <a:xfrm>
-            <a:off x="5894962" y="3094758"/>
+            <a:off x="7418963" y="3094759"/>
             <a:ext cx="2772383" cy="1200329"/>
           </a:xfrm>
           <a:prstGeom prst="rect">
@@ -3983,7 +3630,7 @@
         </p:blipFill>
         <p:spPr>
           <a:xfrm>
-            <a:off x="2122627" y="2555002"/>
+            <a:off x="3646627" y="2555002"/>
             <a:ext cx="4898746" cy="3937872"/>
           </a:xfrm>
           <a:prstGeom prst="rect">
@@ -4190,7 +3837,7 @@
         </p:blipFill>
         <p:spPr>
           <a:xfrm>
-            <a:off x="628650" y="1517497"/>
+            <a:off x="2152651" y="1517498"/>
             <a:ext cx="4016853" cy="2743217"/>
           </a:xfrm>
         </p:spPr>
@@ -4217,7 +3864,7 @@
         </p:blipFill>
         <p:spPr>
           <a:xfrm>
-            <a:off x="3696511" y="2889105"/>
+            <a:off x="5220511" y="2889105"/>
             <a:ext cx="4912468" cy="3504590"/>
           </a:xfrm>
           <a:prstGeom prst="rect">
@@ -4330,7 +3977,7 @@
         </p:blipFill>
         <p:spPr>
           <a:xfrm>
-            <a:off x="1279140" y="1561473"/>
+            <a:off x="2803140" y="1561473"/>
             <a:ext cx="6585720" cy="4958660"/>
           </a:xfrm>
           <a:prstGeom prst="rect">
@@ -4562,7 +4209,7 @@
         </p:blipFill>
         <p:spPr>
           <a:xfrm>
-            <a:off x="719888" y="1926127"/>
+            <a:off x="2243888" y="1926128"/>
             <a:ext cx="7062198" cy="4007695"/>
           </a:xfrm>
         </p:spPr>
@@ -4581,7 +4228,7 @@
         </p:nvSpPr>
         <p:spPr>
           <a:xfrm>
-            <a:off x="4114801" y="854269"/>
+            <a:off x="5638802" y="854270"/>
             <a:ext cx="2480553" cy="1200329"/>
           </a:xfrm>
           <a:prstGeom prst="rect">
@@ -4623,7 +4270,7 @@
         </p:nvCxnSpPr>
         <p:spPr>
           <a:xfrm flipH="1">
-            <a:off x="4455268" y="1805358"/>
+            <a:off x="5979269" y="1805359"/>
             <a:ext cx="719847" cy="918387"/>
           </a:xfrm>
           <a:prstGeom prst="straightConnector1">
@@ -4756,7 +4403,7 @@
         </p:blipFill>
         <p:spPr>
           <a:xfrm>
-            <a:off x="1496289" y="1437281"/>
+            <a:off x="3020290" y="1437282"/>
             <a:ext cx="5949823" cy="5128025"/>
           </a:xfrm>
           <a:prstGeom prst="rect">
@@ -4847,7 +4494,7 @@
         </p:blipFill>
         <p:spPr>
           <a:xfrm>
-            <a:off x="719924" y="1331220"/>
+            <a:off x="2243924" y="1331220"/>
             <a:ext cx="7420776" cy="4845744"/>
           </a:xfrm>
         </p:spPr>
@@ -4935,7 +4582,7 @@
         </p:blipFill>
         <p:spPr>
           <a:xfrm>
-            <a:off x="1240178" y="1825625"/>
+            <a:off x="2764178" y="1825625"/>
             <a:ext cx="6663643" cy="4351338"/>
           </a:xfrm>
         </p:spPr>
@@ -4954,7 +4601,7 @@
         </p:nvSpPr>
         <p:spPr>
           <a:xfrm>
-            <a:off x="953311" y="5048655"/>
+            <a:off x="2477312" y="5048656"/>
             <a:ext cx="3216009" cy="646331"/>
           </a:xfrm>
           <a:prstGeom prst="rect">
@@ -5008,7 +4655,7 @@
         </p:nvSpPr>
         <p:spPr>
           <a:xfrm>
-            <a:off x="4571642" y="2603770"/>
+            <a:off x="6095642" y="2603771"/>
             <a:ext cx="3943708" cy="646331"/>
           </a:xfrm>
           <a:prstGeom prst="rect">
@@ -5071,7 +4718,7 @@
         </p:nvSpPr>
         <p:spPr>
           <a:xfrm>
-            <a:off x="5200293" y="5048654"/>
+            <a:off x="6724294" y="5048655"/>
             <a:ext cx="3216009" cy="1200329"/>
           </a:xfrm>
           <a:prstGeom prst="rect">
@@ -5224,8 +4871,8 @@
         </p:blipFill>
         <p:spPr>
           <a:xfrm>
-            <a:off x="628650" y="2325218"/>
-            <a:ext cx="7886700" cy="3352152"/>
+            <a:off x="986534" y="1825625"/>
+            <a:ext cx="10218931" cy="4351338"/>
           </a:xfrm>
         </p:spPr>
       </p:pic>
@@ -5243,7 +4890,7 @@
         </p:nvSpPr>
         <p:spPr>
           <a:xfrm>
-            <a:off x="5417948" y="4225366"/>
+            <a:off x="6941949" y="4225366"/>
             <a:ext cx="3347455" cy="369332"/>
           </a:xfrm>
           <a:prstGeom prst="rect">
@@ -5292,7 +4939,7 @@
         </p:nvSpPr>
         <p:spPr>
           <a:xfrm>
-            <a:off x="1066442" y="4594698"/>
+            <a:off x="2590442" y="4594699"/>
             <a:ext cx="2416060" cy="646331"/>
           </a:xfrm>
           <a:prstGeom prst="rect">
@@ -5450,7 +5097,7 @@
         </p:blipFill>
         <p:spPr>
           <a:xfrm>
-            <a:off x="2363820" y="3255743"/>
+            <a:off x="3887821" y="3255743"/>
             <a:ext cx="3649899" cy="2921220"/>
           </a:xfrm>
           <a:prstGeom prst="rect">
@@ -5625,7 +5272,7 @@
         </p:blipFill>
         <p:spPr>
           <a:xfrm>
-            <a:off x="719846" y="4001294"/>
+            <a:off x="2243846" y="4001294"/>
             <a:ext cx="5537876" cy="2213684"/>
           </a:xfrm>
           <a:prstGeom prst="rect">
@@ -5715,8 +5362,8 @@
         </p:blipFill>
         <p:spPr>
           <a:xfrm>
-            <a:off x="2762250" y="2515394"/>
-            <a:ext cx="3619500" cy="2971800"/>
+            <a:off x="3446147" y="1825625"/>
+            <a:ext cx="5299706" cy="4351338"/>
           </a:xfrm>
         </p:spPr>
       </p:pic>
@@ -5908,7 +5555,7 @@
         </p:blipFill>
         <p:spPr>
           <a:xfrm>
-            <a:off x="1035861" y="4229258"/>
+            <a:off x="2559862" y="4229259"/>
             <a:ext cx="6196789" cy="3214473"/>
           </a:xfrm>
           <a:prstGeom prst="rect">
@@ -5997,7 +5644,7 @@
         </p:blipFill>
         <p:spPr>
           <a:xfrm>
-            <a:off x="709132" y="2141568"/>
+            <a:off x="2233132" y="2141568"/>
             <a:ext cx="5262824" cy="1448404"/>
           </a:xfrm>
         </p:spPr>
@@ -6023,7 +5670,7 @@
         </p:blipFill>
         <p:spPr>
           <a:xfrm>
-            <a:off x="709132" y="4339551"/>
+            <a:off x="2233132" y="4339552"/>
             <a:ext cx="5026572" cy="1448405"/>
           </a:xfrm>
           <a:prstGeom prst="rect">
@@ -6045,7 +5692,7 @@
         </p:nvSpPr>
         <p:spPr>
           <a:xfrm>
-            <a:off x="709132" y="1620057"/>
+            <a:off x="2233132" y="1620057"/>
             <a:ext cx="6634264" cy="369332"/>
           </a:xfrm>
           <a:prstGeom prst="rect">
@@ -6080,7 +5727,7 @@
         </p:nvSpPr>
         <p:spPr>
           <a:xfrm>
-            <a:off x="709132" y="3856185"/>
+            <a:off x="2233132" y="3856185"/>
             <a:ext cx="6634264" cy="369332"/>
           </a:xfrm>
           <a:prstGeom prst="rect">
@@ -6117,7 +5764,7 @@
 <file path=ppt/theme/theme1.xml><?xml version="1.0" encoding="utf-8"?>
 <a:theme xmlns:a="http://schemas.openxmlformats.org/drawingml/2006/main" name="Office Theme">
   <a:themeElements>
-    <a:clrScheme name="Office">
+    <a:clrScheme name="Office Theme">
       <a:dk1>
         <a:sysClr val="windowText" lastClr="000000"/>
       </a:dk1>
@@ -6155,7 +5802,7 @@
         <a:srgbClr val="954F72"/>
       </a:folHlink>
     </a:clrScheme>
-    <a:fontScheme name="Office">
+    <a:fontScheme name="Office Theme">
       <a:majorFont>
         <a:latin typeface="Calibri Light" panose="020F0302020204030204"/>
         <a:ea typeface=""/>
@@ -6190,23 +5837,6 @@
         <a:font script="Viet" typeface="Times New Roman"/>
         <a:font script="Uigh" typeface="Microsoft Uighur"/>
         <a:font script="Geor" typeface="Sylfaen"/>
-        <a:font script="Armn" typeface="Arial"/>
-        <a:font script="Bugi" typeface="Leelawadee UI"/>
-        <a:font script="Bopo" typeface="Microsoft JhengHei"/>
-        <a:font script="Java" typeface="Javanese Text"/>
-        <a:font script="Lisu" typeface="Segoe UI"/>
-        <a:font script="Mymr" typeface="Myanmar Text"/>
-        <a:font script="Nkoo" typeface="Ebrima"/>
-        <a:font script="Olck" typeface="Nirmala UI"/>
-        <a:font script="Osma" typeface="Ebrima"/>
-        <a:font script="Phag" typeface="Phagspa"/>
-        <a:font script="Syrn" typeface="Estrangelo Edessa"/>
-        <a:font script="Syrj" typeface="Estrangelo Edessa"/>
-        <a:font script="Syre" typeface="Estrangelo Edessa"/>
-        <a:font script="Sora" typeface="Nirmala UI"/>
-        <a:font script="Tale" typeface="Microsoft Tai Le"/>
-        <a:font script="Talu" typeface="Microsoft New Tai Lue"/>
-        <a:font script="Tfng" typeface="Ebrima"/>
       </a:majorFont>
       <a:minorFont>
         <a:latin typeface="Calibri" panose="020F0502020204030204"/>
@@ -6242,26 +5872,9 @@
         <a:font script="Viet" typeface="Arial"/>
         <a:font script="Uigh" typeface="Microsoft Uighur"/>
         <a:font script="Geor" typeface="Sylfaen"/>
-        <a:font script="Armn" typeface="Arial"/>
-        <a:font script="Bugi" typeface="Leelawadee UI"/>
-        <a:font script="Bopo" typeface="Microsoft JhengHei"/>
-        <a:font script="Java" typeface="Javanese Text"/>
-        <a:font script="Lisu" typeface="Segoe UI"/>
-        <a:font script="Mymr" typeface="Myanmar Text"/>
-        <a:font script="Nkoo" typeface="Ebrima"/>
-        <a:font script="Olck" typeface="Nirmala UI"/>
-        <a:font script="Osma" typeface="Ebrima"/>
-        <a:font script="Phag" typeface="Phagspa"/>
-        <a:font script="Syrn" typeface="Estrangelo Edessa"/>
-        <a:font script="Syrj" typeface="Estrangelo Edessa"/>
-        <a:font script="Syre" typeface="Estrangelo Edessa"/>
-        <a:font script="Sora" typeface="Nirmala UI"/>
-        <a:font script="Tale" typeface="Microsoft Tai Le"/>
-        <a:font script="Talu" typeface="Microsoft New Tai Lue"/>
-        <a:font script="Tfng" typeface="Ebrima"/>
       </a:minorFont>
     </a:fontScheme>
-    <a:fmtScheme name="Office">
+    <a:fmtScheme name="Office Theme">
       <a:fillStyleLst>
         <a:solidFill>
           <a:schemeClr val="phClr"/>
